--- a/ECSE/Workshop-2/workshop2.pptx
+++ b/ECSE/Workshop-2/workshop2.pptx
@@ -3583,7 +3583,7 @@
           <a:p>
             <a:r>
               <a:rPr lang="en-CA" dirty="0"/>
-              <a:t>Metal on your wrists and stuff</a:t>
+              <a:t>C programming</a:t>
             </a:r>
           </a:p>
         </p:txBody>
@@ -3611,12 +3611,26 @@
           <a:p>
             <a:r>
               <a:rPr lang="en-CA" dirty="0"/>
-              <a:t>Don’t </a:t>
+              <a:t>Go to </a:t>
+            </a:r>
+            <a:r>
+              <a:rPr lang="en-CA" dirty="0">
+                <a:hlinkClick r:id="rId2"/>
+              </a:rPr>
+              <a:t>https://repl.it/languages/</a:t>
+            </a:r>
+            <a:r>
+              <a:rPr lang="en-CA">
+                <a:hlinkClick r:id="rId2"/>
+              </a:rPr>
+              <a:t>c</a:t>
             </a:r>
             <a:r>
               <a:rPr lang="en-CA"/>
-              <a:t>do that.</a:t>
-            </a:r>
+              <a:t> </a:t>
+            </a:r>
+          </a:p>
+          <a:p>
             <a:endParaRPr lang="en-CA" dirty="0"/>
           </a:p>
         </p:txBody>

--- a/ECSE/Workshop-2/workshop2.pptx
+++ b/ECSE/Workshop-2/workshop2.pptx
@@ -8,6 +8,7 @@
     <p:sldId id="256" r:id="rId2"/>
     <p:sldId id="257" r:id="rId3"/>
     <p:sldId id="258" r:id="rId4"/>
+    <p:sldId id="259" r:id="rId5"/>
   </p:sldIdLst>
   <p:sldSz cx="12192000" cy="6858000"/>
   <p:notesSz cx="6858000" cy="9144000"/>
@@ -3648,6 +3649,93 @@
 </p:sld>
 </file>
 
+<file path=ppt/slides/slide4.xml><?xml version="1.0" encoding="utf-8"?>
+<p:sld xmlns:a="http://schemas.openxmlformats.org/drawingml/2006/main" xmlns:r="http://schemas.openxmlformats.org/officeDocument/2006/relationships" xmlns:p="http://schemas.openxmlformats.org/presentationml/2006/main">
+  <p:cSld>
+    <p:spTree>
+      <p:nvGrpSpPr>
+        <p:cNvPr id="1" name=""/>
+        <p:cNvGrpSpPr/>
+        <p:nvPr/>
+      </p:nvGrpSpPr>
+      <p:grpSpPr>
+        <a:xfrm>
+          <a:off x="0" y="0"/>
+          <a:ext cx="0" cy="0"/>
+          <a:chOff x="0" y="0"/>
+          <a:chExt cx="0" cy="0"/>
+        </a:xfrm>
+      </p:grpSpPr>
+      <p:sp>
+        <p:nvSpPr>
+          <p:cNvPr id="2" name="Title 1">
+            <a:extLst>
+              <a:ext uri="{FF2B5EF4-FFF2-40B4-BE49-F238E27FC236}">
+                <a16:creationId xmlns:a16="http://schemas.microsoft.com/office/drawing/2014/main" id="{0713A968-0C89-4C0F-9F5A-0445B7EE5DCA}"/>
+              </a:ext>
+            </a:extLst>
+          </p:cNvPr>
+          <p:cNvSpPr>
+            <a:spLocks noGrp="1"/>
+          </p:cNvSpPr>
+          <p:nvPr>
+            <p:ph type="title"/>
+          </p:nvPr>
+        </p:nvSpPr>
+        <p:spPr/>
+        <p:txBody>
+          <a:bodyPr/>
+          <a:lstStyle/>
+          <a:p>
+            <a:endParaRPr lang="en-CA" dirty="0"/>
+          </a:p>
+        </p:txBody>
+      </p:sp>
+      <p:pic>
+        <p:nvPicPr>
+          <p:cNvPr id="4" name="Content Placeholder 3">
+            <a:extLst>
+              <a:ext uri="{FF2B5EF4-FFF2-40B4-BE49-F238E27FC236}">
+                <a16:creationId xmlns:a16="http://schemas.microsoft.com/office/drawing/2014/main" id="{6C09291A-36CF-4861-9773-667B72292373}"/>
+              </a:ext>
+            </a:extLst>
+          </p:cNvPr>
+          <p:cNvPicPr>
+            <a:picLocks noGrp="1" noChangeAspect="1"/>
+          </p:cNvPicPr>
+          <p:nvPr>
+            <p:ph idx="1"/>
+          </p:nvPr>
+        </p:nvPicPr>
+        <p:blipFill>
+          <a:blip r:embed="rId2"/>
+          <a:stretch>
+            <a:fillRect/>
+          </a:stretch>
+        </p:blipFill>
+        <p:spPr>
+          <a:xfrm>
+            <a:off x="217790" y="755515"/>
+            <a:ext cx="11756420" cy="5346969"/>
+          </a:xfrm>
+          <a:prstGeom prst="rect">
+            <a:avLst/>
+          </a:prstGeom>
+        </p:spPr>
+      </p:pic>
+    </p:spTree>
+    <p:extLst>
+      <p:ext uri="{BB962C8B-B14F-4D97-AF65-F5344CB8AC3E}">
+        <p14:creationId xmlns:p14="http://schemas.microsoft.com/office/powerpoint/2010/main" val="2222709221"/>
+      </p:ext>
+    </p:extLst>
+  </p:cSld>
+  <p:clrMapOvr>
+    <a:masterClrMapping/>
+  </p:clrMapOvr>
+</p:sld>
+</file>
+
 <file path=ppt/theme/theme1.xml><?xml version="1.0" encoding="utf-8"?>
 <a:theme xmlns:a="http://schemas.openxmlformats.org/drawingml/2006/main" name="Office Theme">
   <a:themeElements>

--- a/ECSE/Workshop-2/workshop2.pptx
+++ b/ECSE/Workshop-2/workshop2.pptx
@@ -9,6 +9,11 @@
     <p:sldId id="257" r:id="rId3"/>
     <p:sldId id="258" r:id="rId4"/>
     <p:sldId id="259" r:id="rId5"/>
+    <p:sldId id="260" r:id="rId6"/>
+    <p:sldId id="261" r:id="rId7"/>
+    <p:sldId id="262" r:id="rId8"/>
+    <p:sldId id="263" r:id="rId9"/>
+    <p:sldId id="264" r:id="rId10"/>
   </p:sldIdLst>
   <p:sldSz cx="12192000" cy="6858000"/>
   <p:notesSz cx="6858000" cy="9144000"/>
@@ -264,7 +269,7 @@
           <a:p>
             <a:fld id="{CB4ED598-43EB-408A-9236-B45AB4DAC6D0}" type="datetimeFigureOut">
               <a:rPr lang="en-CA" smtClean="0"/>
-              <a:t>2019-12-29</a:t>
+              <a:t>2020-01-14</a:t>
             </a:fld>
             <a:endParaRPr lang="en-CA"/>
           </a:p>
@@ -464,7 +469,7 @@
           <a:p>
             <a:fld id="{CB4ED598-43EB-408A-9236-B45AB4DAC6D0}" type="datetimeFigureOut">
               <a:rPr lang="en-CA" smtClean="0"/>
-              <a:t>2019-12-29</a:t>
+              <a:t>2020-01-14</a:t>
             </a:fld>
             <a:endParaRPr lang="en-CA"/>
           </a:p>
@@ -674,7 +679,7 @@
           <a:p>
             <a:fld id="{CB4ED598-43EB-408A-9236-B45AB4DAC6D0}" type="datetimeFigureOut">
               <a:rPr lang="en-CA" smtClean="0"/>
-              <a:t>2019-12-29</a:t>
+              <a:t>2020-01-14</a:t>
             </a:fld>
             <a:endParaRPr lang="en-CA"/>
           </a:p>
@@ -874,7 +879,7 @@
           <a:p>
             <a:fld id="{CB4ED598-43EB-408A-9236-B45AB4DAC6D0}" type="datetimeFigureOut">
               <a:rPr lang="en-CA" smtClean="0"/>
-              <a:t>2019-12-29</a:t>
+              <a:t>2020-01-14</a:t>
             </a:fld>
             <a:endParaRPr lang="en-CA"/>
           </a:p>
@@ -1150,7 +1155,7 @@
           <a:p>
             <a:fld id="{CB4ED598-43EB-408A-9236-B45AB4DAC6D0}" type="datetimeFigureOut">
               <a:rPr lang="en-CA" smtClean="0"/>
-              <a:t>2019-12-29</a:t>
+              <a:t>2020-01-14</a:t>
             </a:fld>
             <a:endParaRPr lang="en-CA"/>
           </a:p>
@@ -1418,7 +1423,7 @@
           <a:p>
             <a:fld id="{CB4ED598-43EB-408A-9236-B45AB4DAC6D0}" type="datetimeFigureOut">
               <a:rPr lang="en-CA" smtClean="0"/>
-              <a:t>2019-12-29</a:t>
+              <a:t>2020-01-14</a:t>
             </a:fld>
             <a:endParaRPr lang="en-CA"/>
           </a:p>
@@ -1833,7 +1838,7 @@
           <a:p>
             <a:fld id="{CB4ED598-43EB-408A-9236-B45AB4DAC6D0}" type="datetimeFigureOut">
               <a:rPr lang="en-CA" smtClean="0"/>
-              <a:t>2019-12-29</a:t>
+              <a:t>2020-01-14</a:t>
             </a:fld>
             <a:endParaRPr lang="en-CA"/>
           </a:p>
@@ -1975,7 +1980,7 @@
           <a:p>
             <a:fld id="{CB4ED598-43EB-408A-9236-B45AB4DAC6D0}" type="datetimeFigureOut">
               <a:rPr lang="en-CA" smtClean="0"/>
-              <a:t>2019-12-29</a:t>
+              <a:t>2020-01-14</a:t>
             </a:fld>
             <a:endParaRPr lang="en-CA"/>
           </a:p>
@@ -2088,7 +2093,7 @@
           <a:p>
             <a:fld id="{CB4ED598-43EB-408A-9236-B45AB4DAC6D0}" type="datetimeFigureOut">
               <a:rPr lang="en-CA" smtClean="0"/>
-              <a:t>2019-12-29</a:t>
+              <a:t>2020-01-14</a:t>
             </a:fld>
             <a:endParaRPr lang="en-CA"/>
           </a:p>
@@ -2401,7 +2406,7 @@
           <a:p>
             <a:fld id="{CB4ED598-43EB-408A-9236-B45AB4DAC6D0}" type="datetimeFigureOut">
               <a:rPr lang="en-CA" smtClean="0"/>
-              <a:t>2019-12-29</a:t>
+              <a:t>2020-01-14</a:t>
             </a:fld>
             <a:endParaRPr lang="en-CA"/>
           </a:p>
@@ -2690,7 +2695,7 @@
           <a:p>
             <a:fld id="{CB4ED598-43EB-408A-9236-B45AB4DAC6D0}" type="datetimeFigureOut">
               <a:rPr lang="en-CA" smtClean="0"/>
-              <a:t>2019-12-29</a:t>
+              <a:t>2020-01-14</a:t>
             </a:fld>
             <a:endParaRPr lang="en-CA"/>
           </a:p>
@@ -2933,7 +2938,7 @@
           <a:p>
             <a:fld id="{CB4ED598-43EB-408A-9236-B45AB4DAC6D0}" type="datetimeFigureOut">
               <a:rPr lang="en-CA" smtClean="0"/>
-              <a:t>2019-12-29</a:t>
+              <a:t>2020-01-14</a:t>
             </a:fld>
             <a:endParaRPr lang="en-CA"/>
           </a:p>
@@ -3736,6 +3741,648 @@
 </p:sld>
 </file>
 
+<file path=ppt/slides/slide5.xml><?xml version="1.0" encoding="utf-8"?>
+<p:sld xmlns:a="http://schemas.openxmlformats.org/drawingml/2006/main" xmlns:r="http://schemas.openxmlformats.org/officeDocument/2006/relationships" xmlns:p="http://schemas.openxmlformats.org/presentationml/2006/main">
+  <p:cSld>
+    <p:spTree>
+      <p:nvGrpSpPr>
+        <p:cNvPr id="1" name=""/>
+        <p:cNvGrpSpPr/>
+        <p:nvPr/>
+      </p:nvGrpSpPr>
+      <p:grpSpPr>
+        <a:xfrm>
+          <a:off x="0" y="0"/>
+          <a:ext cx="0" cy="0"/>
+          <a:chOff x="0" y="0"/>
+          <a:chExt cx="0" cy="0"/>
+        </a:xfrm>
+      </p:grpSpPr>
+      <p:sp>
+        <p:nvSpPr>
+          <p:cNvPr id="2" name="Title 1">
+            <a:extLst>
+              <a:ext uri="{FF2B5EF4-FFF2-40B4-BE49-F238E27FC236}">
+                <a16:creationId xmlns:a16="http://schemas.microsoft.com/office/drawing/2014/main" id="{78EC43A8-A1DF-452C-BF77-0D18292103CE}"/>
+              </a:ext>
+            </a:extLst>
+          </p:cNvPr>
+          <p:cNvSpPr>
+            <a:spLocks noGrp="1"/>
+          </p:cNvSpPr>
+          <p:nvPr>
+            <p:ph type="title"/>
+          </p:nvPr>
+        </p:nvSpPr>
+        <p:spPr/>
+        <p:txBody>
+          <a:bodyPr/>
+          <a:lstStyle/>
+          <a:p>
+            <a:r>
+              <a:rPr lang="en-CA" dirty="0"/>
+              <a:t>Overview of programming</a:t>
+            </a:r>
+          </a:p>
+        </p:txBody>
+      </p:sp>
+      <p:sp>
+        <p:nvSpPr>
+          <p:cNvPr id="3" name="Content Placeholder 2">
+            <a:extLst>
+              <a:ext uri="{FF2B5EF4-FFF2-40B4-BE49-F238E27FC236}">
+                <a16:creationId xmlns:a16="http://schemas.microsoft.com/office/drawing/2014/main" id="{4A02B471-9B5E-4C29-B2C3-CBBEC2BF0E56}"/>
+              </a:ext>
+            </a:extLst>
+          </p:cNvPr>
+          <p:cNvSpPr>
+            <a:spLocks noGrp="1"/>
+          </p:cNvSpPr>
+          <p:nvPr>
+            <p:ph idx="1"/>
+          </p:nvPr>
+        </p:nvSpPr>
+        <p:spPr/>
+        <p:txBody>
+          <a:bodyPr/>
+          <a:lstStyle/>
+          <a:p>
+            <a:r>
+              <a:rPr lang="en-CA" dirty="0"/>
+              <a:t>Instructions sent to computer</a:t>
+            </a:r>
+          </a:p>
+          <a:p>
+            <a:pPr lvl="1"/>
+            <a:r>
+              <a:rPr lang="en-CA" dirty="0"/>
+              <a:t>Run sequentially</a:t>
+            </a:r>
+          </a:p>
+          <a:p>
+            <a:pPr lvl="1"/>
+            <a:r>
+              <a:rPr lang="en-CA" dirty="0"/>
+              <a:t>Do A, then B, </a:t>
+            </a:r>
+            <a:r>
+              <a:rPr lang="en-CA" dirty="0" err="1"/>
+              <a:t>etc</a:t>
+            </a:r>
+            <a:endParaRPr lang="en-CA" dirty="0"/>
+          </a:p>
+          <a:p>
+            <a:r>
+              <a:rPr lang="en-CA" dirty="0"/>
+              <a:t>Can store data in variables</a:t>
+            </a:r>
+          </a:p>
+          <a:p>
+            <a:pPr lvl="1"/>
+            <a:r>
+              <a:rPr lang="en-CA" dirty="0"/>
+              <a:t>Types include: int, character, float, Boolean</a:t>
+            </a:r>
+          </a:p>
+          <a:p>
+            <a:r>
+              <a:rPr lang="en-CA" dirty="0"/>
+              <a:t>Can run operations on variables</a:t>
+            </a:r>
+          </a:p>
+          <a:p>
+            <a:pPr lvl="1"/>
+            <a:r>
+              <a:rPr lang="en-CA" dirty="0"/>
+              <a:t>Assign value</a:t>
+            </a:r>
+          </a:p>
+          <a:p>
+            <a:pPr lvl="1"/>
+            <a:r>
+              <a:rPr lang="en-CA" dirty="0"/>
+              <a:t>Increment/decrement value</a:t>
+            </a:r>
+          </a:p>
+          <a:p>
+            <a:pPr lvl="1"/>
+            <a:r>
+              <a:rPr lang="en-CA" dirty="0"/>
+              <a:t>Sum, division, multiplication, subtraction</a:t>
+            </a:r>
+          </a:p>
+        </p:txBody>
+      </p:sp>
+    </p:spTree>
+    <p:extLst>
+      <p:ext uri="{BB962C8B-B14F-4D97-AF65-F5344CB8AC3E}">
+        <p14:creationId xmlns:p14="http://schemas.microsoft.com/office/powerpoint/2010/main" val="1926071652"/>
+      </p:ext>
+    </p:extLst>
+  </p:cSld>
+  <p:clrMapOvr>
+    <a:masterClrMapping/>
+  </p:clrMapOvr>
+</p:sld>
+</file>
+
+<file path=ppt/slides/slide6.xml><?xml version="1.0" encoding="utf-8"?>
+<p:sld xmlns:a="http://schemas.openxmlformats.org/drawingml/2006/main" xmlns:r="http://schemas.openxmlformats.org/officeDocument/2006/relationships" xmlns:p="http://schemas.openxmlformats.org/presentationml/2006/main">
+  <p:cSld>
+    <p:spTree>
+      <p:nvGrpSpPr>
+        <p:cNvPr id="1" name=""/>
+        <p:cNvGrpSpPr/>
+        <p:nvPr/>
+      </p:nvGrpSpPr>
+      <p:grpSpPr>
+        <a:xfrm>
+          <a:off x="0" y="0"/>
+          <a:ext cx="0" cy="0"/>
+          <a:chOff x="0" y="0"/>
+          <a:chExt cx="0" cy="0"/>
+        </a:xfrm>
+      </p:grpSpPr>
+      <p:sp>
+        <p:nvSpPr>
+          <p:cNvPr id="2" name="Title 1">
+            <a:extLst>
+              <a:ext uri="{FF2B5EF4-FFF2-40B4-BE49-F238E27FC236}">
+                <a16:creationId xmlns:a16="http://schemas.microsoft.com/office/drawing/2014/main" id="{0D89CF4B-FAF6-4B78-AFC6-6F9F5B9CC2D2}"/>
+              </a:ext>
+            </a:extLst>
+          </p:cNvPr>
+          <p:cNvSpPr>
+            <a:spLocks noGrp="1"/>
+          </p:cNvSpPr>
+          <p:nvPr>
+            <p:ph type="title"/>
+          </p:nvPr>
+        </p:nvSpPr>
+        <p:spPr/>
+        <p:txBody>
+          <a:bodyPr/>
+          <a:lstStyle/>
+          <a:p>
+            <a:r>
+              <a:rPr lang="en-CA" dirty="0"/>
+              <a:t>Comparisons</a:t>
+            </a:r>
+          </a:p>
+        </p:txBody>
+      </p:sp>
+      <p:sp>
+        <p:nvSpPr>
+          <p:cNvPr id="3" name="Content Placeholder 2">
+            <a:extLst>
+              <a:ext uri="{FF2B5EF4-FFF2-40B4-BE49-F238E27FC236}">
+                <a16:creationId xmlns:a16="http://schemas.microsoft.com/office/drawing/2014/main" id="{A65D6D66-972A-4B09-AC02-99A311BE5405}"/>
+              </a:ext>
+            </a:extLst>
+          </p:cNvPr>
+          <p:cNvSpPr>
+            <a:spLocks noGrp="1"/>
+          </p:cNvSpPr>
+          <p:nvPr>
+            <p:ph idx="1"/>
+          </p:nvPr>
+        </p:nvSpPr>
+        <p:spPr/>
+        <p:txBody>
+          <a:bodyPr>
+            <a:normAutofit lnSpcReduction="10000"/>
+          </a:bodyPr>
+          <a:lstStyle/>
+          <a:p>
+            <a:r>
+              <a:rPr lang="en-CA" dirty="0"/>
+              <a:t>Boolean algebra is crucial to programming</a:t>
+            </a:r>
+          </a:p>
+          <a:p>
+            <a:r>
+              <a:rPr lang="en-CA" dirty="0"/>
+              <a:t>Boolean variable:</a:t>
+            </a:r>
+          </a:p>
+          <a:p>
+            <a:pPr lvl="1"/>
+            <a:r>
+              <a:rPr lang="en-CA" dirty="0"/>
+              <a:t>2 values: true, false</a:t>
+            </a:r>
+          </a:p>
+          <a:p>
+            <a:r>
+              <a:rPr lang="en-CA" dirty="0"/>
+              <a:t>Three operations exist: AND, OR, NOT</a:t>
+            </a:r>
+          </a:p>
+          <a:p>
+            <a:endParaRPr lang="en-CA" dirty="0"/>
+          </a:p>
+          <a:p>
+            <a:pPr marL="0" indent="0">
+              <a:buNone/>
+            </a:pPr>
+            <a:r>
+              <a:rPr lang="en-CA" dirty="0"/>
+              <a:t>Let x = true, y = false</a:t>
+            </a:r>
+          </a:p>
+          <a:p>
+            <a:r>
+              <a:rPr lang="en-CA" dirty="0"/>
+              <a:t>NOT x = false</a:t>
+            </a:r>
+          </a:p>
+          <a:p>
+            <a:r>
+              <a:rPr lang="en-CA" dirty="0"/>
+              <a:t>x and y = false</a:t>
+            </a:r>
+          </a:p>
+          <a:p>
+            <a:r>
+              <a:rPr lang="en-CA" dirty="0"/>
+              <a:t>x or y = true</a:t>
+            </a:r>
+          </a:p>
+        </p:txBody>
+      </p:sp>
+    </p:spTree>
+    <p:extLst>
+      <p:ext uri="{BB962C8B-B14F-4D97-AF65-F5344CB8AC3E}">
+        <p14:creationId xmlns:p14="http://schemas.microsoft.com/office/powerpoint/2010/main" val="1268356443"/>
+      </p:ext>
+    </p:extLst>
+  </p:cSld>
+  <p:clrMapOvr>
+    <a:masterClrMapping/>
+  </p:clrMapOvr>
+</p:sld>
+</file>
+
+<file path=ppt/slides/slide7.xml><?xml version="1.0" encoding="utf-8"?>
+<p:sld xmlns:a="http://schemas.openxmlformats.org/drawingml/2006/main" xmlns:r="http://schemas.openxmlformats.org/officeDocument/2006/relationships" xmlns:p="http://schemas.openxmlformats.org/presentationml/2006/main">
+  <p:cSld>
+    <p:spTree>
+      <p:nvGrpSpPr>
+        <p:cNvPr id="1" name=""/>
+        <p:cNvGrpSpPr/>
+        <p:nvPr/>
+      </p:nvGrpSpPr>
+      <p:grpSpPr>
+        <a:xfrm>
+          <a:off x="0" y="0"/>
+          <a:ext cx="0" cy="0"/>
+          <a:chOff x="0" y="0"/>
+          <a:chExt cx="0" cy="0"/>
+        </a:xfrm>
+      </p:grpSpPr>
+      <p:sp>
+        <p:nvSpPr>
+          <p:cNvPr id="2" name="Title 1">
+            <a:extLst>
+              <a:ext uri="{FF2B5EF4-FFF2-40B4-BE49-F238E27FC236}">
+                <a16:creationId xmlns:a16="http://schemas.microsoft.com/office/drawing/2014/main" id="{93861000-98F8-4A84-AC8E-06ACC53FC94C}"/>
+              </a:ext>
+            </a:extLst>
+          </p:cNvPr>
+          <p:cNvSpPr>
+            <a:spLocks noGrp="1"/>
+          </p:cNvSpPr>
+          <p:nvPr>
+            <p:ph type="title"/>
+          </p:nvPr>
+        </p:nvSpPr>
+        <p:spPr/>
+        <p:txBody>
+          <a:bodyPr/>
+          <a:lstStyle/>
+          <a:p>
+            <a:r>
+              <a:rPr lang="en-CA" dirty="0"/>
+              <a:t>How to think of Boolean expressions</a:t>
+            </a:r>
+          </a:p>
+        </p:txBody>
+      </p:sp>
+      <p:sp>
+        <p:nvSpPr>
+          <p:cNvPr id="3" name="Content Placeholder 2">
+            <a:extLst>
+              <a:ext uri="{FF2B5EF4-FFF2-40B4-BE49-F238E27FC236}">
+                <a16:creationId xmlns:a16="http://schemas.microsoft.com/office/drawing/2014/main" id="{11902426-8A76-469B-9306-C26C8709C51E}"/>
+              </a:ext>
+            </a:extLst>
+          </p:cNvPr>
+          <p:cNvSpPr>
+            <a:spLocks noGrp="1"/>
+          </p:cNvSpPr>
+          <p:nvPr>
+            <p:ph idx="1"/>
+          </p:nvPr>
+        </p:nvSpPr>
+        <p:spPr/>
+        <p:txBody>
+          <a:bodyPr/>
+          <a:lstStyle/>
+          <a:p>
+            <a:r>
+              <a:rPr lang="en-CA" dirty="0"/>
+              <a:t>A combination of Boolean variables is a Boolean expression</a:t>
+            </a:r>
+          </a:p>
+          <a:p>
+            <a:pPr lvl="1"/>
+            <a:r>
+              <a:rPr lang="en-CA" dirty="0"/>
+              <a:t>Ex: x AND y, NOT x, x</a:t>
+            </a:r>
+          </a:p>
+          <a:p>
+            <a:r>
+              <a:rPr lang="en-CA" dirty="0"/>
+              <a:t>Boolean expressions are, themselves, either true or false</a:t>
+            </a:r>
+          </a:p>
+          <a:p>
+            <a:endParaRPr lang="en-CA" dirty="0"/>
+          </a:p>
+          <a:p>
+            <a:pPr marL="0" indent="0">
+              <a:buNone/>
+            </a:pPr>
+            <a:r>
+              <a:rPr lang="en-CA" dirty="0"/>
+              <a:t>The easiest way to process Boolean expressions is with if statements</a:t>
+            </a:r>
+          </a:p>
+          <a:p>
+            <a:pPr marL="0" indent="0">
+              <a:buNone/>
+            </a:pPr>
+            <a:r>
+              <a:rPr lang="en-CA" dirty="0"/>
+              <a:t>	I’ll do ‘B’ if ‘A’</a:t>
+            </a:r>
+          </a:p>
+          <a:p>
+            <a:pPr marL="0" indent="0">
+              <a:buNone/>
+            </a:pPr>
+            <a:r>
+              <a:rPr lang="en-CA" dirty="0"/>
+              <a:t>You would only do B if A is true.</a:t>
+            </a:r>
+          </a:p>
+        </p:txBody>
+      </p:sp>
+    </p:spTree>
+    <p:extLst>
+      <p:ext uri="{BB962C8B-B14F-4D97-AF65-F5344CB8AC3E}">
+        <p14:creationId xmlns:p14="http://schemas.microsoft.com/office/powerpoint/2010/main" val="791211579"/>
+      </p:ext>
+    </p:extLst>
+  </p:cSld>
+  <p:clrMapOvr>
+    <a:masterClrMapping/>
+  </p:clrMapOvr>
+</p:sld>
+</file>
+
+<file path=ppt/slides/slide8.xml><?xml version="1.0" encoding="utf-8"?>
+<p:sld xmlns:a="http://schemas.openxmlformats.org/drawingml/2006/main" xmlns:r="http://schemas.openxmlformats.org/officeDocument/2006/relationships" xmlns:p="http://schemas.openxmlformats.org/presentationml/2006/main">
+  <p:cSld>
+    <p:spTree>
+      <p:nvGrpSpPr>
+        <p:cNvPr id="1" name=""/>
+        <p:cNvGrpSpPr/>
+        <p:nvPr/>
+      </p:nvGrpSpPr>
+      <p:grpSpPr>
+        <a:xfrm>
+          <a:off x="0" y="0"/>
+          <a:ext cx="0" cy="0"/>
+          <a:chOff x="0" y="0"/>
+          <a:chExt cx="0" cy="0"/>
+        </a:xfrm>
+      </p:grpSpPr>
+      <p:sp>
+        <p:nvSpPr>
+          <p:cNvPr id="2" name="Title 1">
+            <a:extLst>
+              <a:ext uri="{FF2B5EF4-FFF2-40B4-BE49-F238E27FC236}">
+                <a16:creationId xmlns:a16="http://schemas.microsoft.com/office/drawing/2014/main" id="{C13CB87B-37BD-4703-94C9-C15A1A05CFED}"/>
+              </a:ext>
+            </a:extLst>
+          </p:cNvPr>
+          <p:cNvSpPr>
+            <a:spLocks noGrp="1"/>
+          </p:cNvSpPr>
+          <p:nvPr>
+            <p:ph type="title"/>
+          </p:nvPr>
+        </p:nvSpPr>
+        <p:spPr/>
+        <p:txBody>
+          <a:bodyPr/>
+          <a:lstStyle/>
+          <a:p>
+            <a:r>
+              <a:rPr lang="en-CA" dirty="0"/>
+              <a:t>How to think of Boolean expressions</a:t>
+            </a:r>
+          </a:p>
+        </p:txBody>
+      </p:sp>
+      <p:sp>
+        <p:nvSpPr>
+          <p:cNvPr id="3" name="Content Placeholder 2">
+            <a:extLst>
+              <a:ext uri="{FF2B5EF4-FFF2-40B4-BE49-F238E27FC236}">
+                <a16:creationId xmlns:a16="http://schemas.microsoft.com/office/drawing/2014/main" id="{46A549BF-399B-4DF5-8BA9-42F2BCA75026}"/>
+              </a:ext>
+            </a:extLst>
+          </p:cNvPr>
+          <p:cNvSpPr>
+            <a:spLocks noGrp="1"/>
+          </p:cNvSpPr>
+          <p:nvPr>
+            <p:ph idx="1"/>
+          </p:nvPr>
+        </p:nvSpPr>
+        <p:spPr/>
+        <p:txBody>
+          <a:bodyPr/>
+          <a:lstStyle/>
+          <a:p>
+            <a:r>
+              <a:rPr lang="en-CA" dirty="0"/>
+              <a:t>A = x OR y</a:t>
+            </a:r>
+          </a:p>
+          <a:p>
+            <a:r>
+              <a:rPr lang="en-CA" dirty="0"/>
+              <a:t>I’ll do B if x OR y</a:t>
+            </a:r>
+          </a:p>
+          <a:p>
+            <a:pPr lvl="1"/>
+            <a:r>
+              <a:rPr lang="en-CA" dirty="0"/>
+              <a:t>I’ll go to sleep if it’s later than 1am OR my phone runs out of battery</a:t>
+            </a:r>
+          </a:p>
+          <a:p>
+            <a:pPr lvl="2"/>
+            <a:r>
+              <a:rPr lang="en-CA" dirty="0"/>
+              <a:t>Will go to sleep as long as 1 of the 2 is true</a:t>
+            </a:r>
+          </a:p>
+          <a:p>
+            <a:r>
+              <a:rPr lang="en-CA" dirty="0"/>
+              <a:t>A = x AND y</a:t>
+            </a:r>
+          </a:p>
+          <a:p>
+            <a:r>
+              <a:rPr lang="en-CA" dirty="0"/>
+              <a:t>I’ll do B if x AND y</a:t>
+            </a:r>
+          </a:p>
+          <a:p>
+            <a:pPr lvl="1"/>
+            <a:r>
+              <a:rPr lang="en-CA" dirty="0"/>
+              <a:t>I’ll lend you 5$ if you do my </a:t>
+            </a:r>
+            <a:r>
+              <a:rPr lang="en-CA" dirty="0" err="1"/>
+              <a:t>hw</a:t>
+            </a:r>
+            <a:r>
+              <a:rPr lang="en-CA" dirty="0"/>
+              <a:t> AND you drive me home</a:t>
+            </a:r>
+          </a:p>
+          <a:p>
+            <a:pPr lvl="2"/>
+            <a:r>
+              <a:rPr lang="en-CA" dirty="0"/>
+              <a:t>Will only lend $$ if driven home AND </a:t>
+            </a:r>
+            <a:r>
+              <a:rPr lang="en-CA" dirty="0" err="1"/>
+              <a:t>hw</a:t>
+            </a:r>
+            <a:r>
+              <a:rPr lang="en-CA" dirty="0"/>
+              <a:t> done</a:t>
+            </a:r>
+          </a:p>
+          <a:p>
+            <a:endParaRPr lang="en-CA" dirty="0"/>
+          </a:p>
+        </p:txBody>
+      </p:sp>
+    </p:spTree>
+    <p:extLst>
+      <p:ext uri="{BB962C8B-B14F-4D97-AF65-F5344CB8AC3E}">
+        <p14:creationId xmlns:p14="http://schemas.microsoft.com/office/powerpoint/2010/main" val="142314752"/>
+      </p:ext>
+    </p:extLst>
+  </p:cSld>
+  <p:clrMapOvr>
+    <a:masterClrMapping/>
+  </p:clrMapOvr>
+</p:sld>
+</file>
+
+<file path=ppt/slides/slide9.xml><?xml version="1.0" encoding="utf-8"?>
+<p:sld xmlns:a="http://schemas.openxmlformats.org/drawingml/2006/main" xmlns:r="http://schemas.openxmlformats.org/officeDocument/2006/relationships" xmlns:p="http://schemas.openxmlformats.org/presentationml/2006/main">
+  <p:cSld>
+    <p:spTree>
+      <p:nvGrpSpPr>
+        <p:cNvPr id="1" name=""/>
+        <p:cNvGrpSpPr/>
+        <p:nvPr/>
+      </p:nvGrpSpPr>
+      <p:grpSpPr>
+        <a:xfrm>
+          <a:off x="0" y="0"/>
+          <a:ext cx="0" cy="0"/>
+          <a:chOff x="0" y="0"/>
+          <a:chExt cx="0" cy="0"/>
+        </a:xfrm>
+      </p:grpSpPr>
+      <p:sp>
+        <p:nvSpPr>
+          <p:cNvPr id="2" name="Title 1">
+            <a:extLst>
+              <a:ext uri="{FF2B5EF4-FFF2-40B4-BE49-F238E27FC236}">
+                <a16:creationId xmlns:a16="http://schemas.microsoft.com/office/drawing/2014/main" id="{079697C3-B704-4503-A6F9-3A0D6EA25812}"/>
+              </a:ext>
+            </a:extLst>
+          </p:cNvPr>
+          <p:cNvSpPr>
+            <a:spLocks noGrp="1"/>
+          </p:cNvSpPr>
+          <p:nvPr>
+            <p:ph type="title"/>
+          </p:nvPr>
+        </p:nvSpPr>
+        <p:spPr/>
+        <p:txBody>
+          <a:bodyPr/>
+          <a:lstStyle/>
+          <a:p>
+            <a:endParaRPr lang="en-CA"/>
+          </a:p>
+        </p:txBody>
+      </p:sp>
+      <p:sp>
+        <p:nvSpPr>
+          <p:cNvPr id="3" name="Content Placeholder 2">
+            <a:extLst>
+              <a:ext uri="{FF2B5EF4-FFF2-40B4-BE49-F238E27FC236}">
+                <a16:creationId xmlns:a16="http://schemas.microsoft.com/office/drawing/2014/main" id="{003F5EFE-D66D-4478-9913-0D9E96B9767E}"/>
+              </a:ext>
+            </a:extLst>
+          </p:cNvPr>
+          <p:cNvSpPr>
+            <a:spLocks noGrp="1"/>
+          </p:cNvSpPr>
+          <p:nvPr>
+            <p:ph idx="1"/>
+          </p:nvPr>
+        </p:nvSpPr>
+        <p:spPr/>
+        <p:txBody>
+          <a:bodyPr/>
+          <a:lstStyle/>
+          <a:p>
+            <a:endParaRPr lang="en-CA"/>
+          </a:p>
+        </p:txBody>
+      </p:sp>
+    </p:spTree>
+    <p:extLst>
+      <p:ext uri="{BB962C8B-B14F-4D97-AF65-F5344CB8AC3E}">
+        <p14:creationId xmlns:p14="http://schemas.microsoft.com/office/powerpoint/2010/main" val="3727757858"/>
+      </p:ext>
+    </p:extLst>
+  </p:cSld>
+  <p:clrMapOvr>
+    <a:masterClrMapping/>
+  </p:clrMapOvr>
+</p:sld>
+</file>
+
 <file path=ppt/theme/theme1.xml><?xml version="1.0" encoding="utf-8"?>
 <a:theme xmlns:a="http://schemas.openxmlformats.org/drawingml/2006/main" name="Office Theme">
   <a:themeElements>

--- a/ECSE/Workshop-2/workshop2.pptx
+++ b/ECSE/Workshop-2/workshop2.pptx
@@ -4,16 +4,19 @@
   <p:sldMasterIdLst>
     <p:sldMasterId id="2147483648" r:id="rId1"/>
   </p:sldMasterIdLst>
+  <p:notesMasterIdLst>
+    <p:notesMasterId r:id="rId11"/>
+  </p:notesMasterIdLst>
   <p:sldIdLst>
     <p:sldId id="256" r:id="rId2"/>
     <p:sldId id="257" r:id="rId3"/>
     <p:sldId id="258" r:id="rId4"/>
     <p:sldId id="259" r:id="rId5"/>
-    <p:sldId id="260" r:id="rId6"/>
-    <p:sldId id="261" r:id="rId7"/>
-    <p:sldId id="262" r:id="rId8"/>
-    <p:sldId id="263" r:id="rId9"/>
-    <p:sldId id="264" r:id="rId10"/>
+    <p:sldId id="264" r:id="rId6"/>
+    <p:sldId id="265" r:id="rId7"/>
+    <p:sldId id="266" r:id="rId8"/>
+    <p:sldId id="267" r:id="rId9"/>
+    <p:sldId id="268" r:id="rId10"/>
   </p:sldIdLst>
   <p:sldSz cx="12192000" cy="6858000"/>
   <p:notesSz cx="6858000" cy="9144000"/>
@@ -120,6 +123,440 @@
 </p:presentation>
 </file>
 
+<file path=ppt/notesMasters/notesMaster1.xml><?xml version="1.0" encoding="utf-8"?>
+<p:notesMaster xmlns:a="http://schemas.openxmlformats.org/drawingml/2006/main" xmlns:r="http://schemas.openxmlformats.org/officeDocument/2006/relationships" xmlns:p="http://schemas.openxmlformats.org/presentationml/2006/main">
+  <p:cSld>
+    <p:bg>
+      <p:bgRef idx="1001">
+        <a:schemeClr val="bg1"/>
+      </p:bgRef>
+    </p:bg>
+    <p:spTree>
+      <p:nvGrpSpPr>
+        <p:cNvPr id="1" name=""/>
+        <p:cNvGrpSpPr/>
+        <p:nvPr/>
+      </p:nvGrpSpPr>
+      <p:grpSpPr>
+        <a:xfrm>
+          <a:off x="0" y="0"/>
+          <a:ext cx="0" cy="0"/>
+          <a:chOff x="0" y="0"/>
+          <a:chExt cx="0" cy="0"/>
+        </a:xfrm>
+      </p:grpSpPr>
+      <p:sp>
+        <p:nvSpPr>
+          <p:cNvPr id="2" name="Header Placeholder 1"/>
+          <p:cNvSpPr>
+            <a:spLocks noGrp="1"/>
+          </p:cNvSpPr>
+          <p:nvPr>
+            <p:ph type="hdr" sz="quarter"/>
+          </p:nvPr>
+        </p:nvSpPr>
+        <p:spPr>
+          <a:xfrm>
+            <a:off x="0" y="0"/>
+            <a:ext cx="2971800" cy="458788"/>
+          </a:xfrm>
+          <a:prstGeom prst="rect">
+            <a:avLst/>
+          </a:prstGeom>
+        </p:spPr>
+        <p:txBody>
+          <a:bodyPr vert="horz" lIns="91440" tIns="45720" rIns="91440" bIns="45720" rtlCol="0"/>
+          <a:lstStyle>
+            <a:lvl1pPr algn="l">
+              <a:defRPr sz="1200"/>
+            </a:lvl1pPr>
+          </a:lstStyle>
+          <a:p>
+            <a:endParaRPr lang="en-CA"/>
+          </a:p>
+        </p:txBody>
+      </p:sp>
+      <p:sp>
+        <p:nvSpPr>
+          <p:cNvPr id="3" name="Date Placeholder 2"/>
+          <p:cNvSpPr>
+            <a:spLocks noGrp="1"/>
+          </p:cNvSpPr>
+          <p:nvPr>
+            <p:ph type="dt" idx="1"/>
+          </p:nvPr>
+        </p:nvSpPr>
+        <p:spPr>
+          <a:xfrm>
+            <a:off x="3884613" y="0"/>
+            <a:ext cx="2971800" cy="458788"/>
+          </a:xfrm>
+          <a:prstGeom prst="rect">
+            <a:avLst/>
+          </a:prstGeom>
+        </p:spPr>
+        <p:txBody>
+          <a:bodyPr vert="horz" lIns="91440" tIns="45720" rIns="91440" bIns="45720" rtlCol="0"/>
+          <a:lstStyle>
+            <a:lvl1pPr algn="r">
+              <a:defRPr sz="1200"/>
+            </a:lvl1pPr>
+          </a:lstStyle>
+          <a:p>
+            <a:fld id="{8DB13AE3-9BCE-4559-A516-E357DB42AEF7}" type="datetimeFigureOut">
+              <a:rPr lang="en-CA" smtClean="0"/>
+              <a:t>2020-01-19</a:t>
+            </a:fld>
+            <a:endParaRPr lang="en-CA"/>
+          </a:p>
+        </p:txBody>
+      </p:sp>
+      <p:sp>
+        <p:nvSpPr>
+          <p:cNvPr id="4" name="Slide Image Placeholder 3"/>
+          <p:cNvSpPr>
+            <a:spLocks noGrp="1" noRot="1" noChangeAspect="1"/>
+          </p:cNvSpPr>
+          <p:nvPr>
+            <p:ph type="sldImg" idx="2"/>
+          </p:nvPr>
+        </p:nvSpPr>
+        <p:spPr>
+          <a:xfrm>
+            <a:off x="685800" y="1143000"/>
+            <a:ext cx="5486400" cy="3086100"/>
+          </a:xfrm>
+          <a:prstGeom prst="rect">
+            <a:avLst/>
+          </a:prstGeom>
+          <a:noFill/>
+          <a:ln w="12700">
+            <a:solidFill>
+              <a:prstClr val="black"/>
+            </a:solidFill>
+          </a:ln>
+        </p:spPr>
+        <p:txBody>
+          <a:bodyPr vert="horz" lIns="91440" tIns="45720" rIns="91440" bIns="45720" rtlCol="0" anchor="ctr"/>
+          <a:lstStyle/>
+          <a:p>
+            <a:endParaRPr lang="en-CA"/>
+          </a:p>
+        </p:txBody>
+      </p:sp>
+      <p:sp>
+        <p:nvSpPr>
+          <p:cNvPr id="5" name="Notes Placeholder 4"/>
+          <p:cNvSpPr>
+            <a:spLocks noGrp="1"/>
+          </p:cNvSpPr>
+          <p:nvPr>
+            <p:ph type="body" sz="quarter" idx="3"/>
+          </p:nvPr>
+        </p:nvSpPr>
+        <p:spPr>
+          <a:xfrm>
+            <a:off x="685800" y="4400550"/>
+            <a:ext cx="5486400" cy="3600450"/>
+          </a:xfrm>
+          <a:prstGeom prst="rect">
+            <a:avLst/>
+          </a:prstGeom>
+        </p:spPr>
+        <p:txBody>
+          <a:bodyPr vert="horz" lIns="91440" tIns="45720" rIns="91440" bIns="45720" rtlCol="0"/>
+          <a:lstStyle/>
+          <a:p>
+            <a:pPr lvl="0"/>
+            <a:r>
+              <a:rPr lang="en-US"/>
+              <a:t>Click to edit Master text styles</a:t>
+            </a:r>
+          </a:p>
+          <a:p>
+            <a:pPr lvl="1"/>
+            <a:r>
+              <a:rPr lang="en-US"/>
+              <a:t>Second level</a:t>
+            </a:r>
+          </a:p>
+          <a:p>
+            <a:pPr lvl="2"/>
+            <a:r>
+              <a:rPr lang="en-US"/>
+              <a:t>Third level</a:t>
+            </a:r>
+          </a:p>
+          <a:p>
+            <a:pPr lvl="3"/>
+            <a:r>
+              <a:rPr lang="en-US"/>
+              <a:t>Fourth level</a:t>
+            </a:r>
+          </a:p>
+          <a:p>
+            <a:pPr lvl="4"/>
+            <a:r>
+              <a:rPr lang="en-US"/>
+              <a:t>Fifth level</a:t>
+            </a:r>
+            <a:endParaRPr lang="en-CA"/>
+          </a:p>
+        </p:txBody>
+      </p:sp>
+      <p:sp>
+        <p:nvSpPr>
+          <p:cNvPr id="6" name="Footer Placeholder 5"/>
+          <p:cNvSpPr>
+            <a:spLocks noGrp="1"/>
+          </p:cNvSpPr>
+          <p:nvPr>
+            <p:ph type="ftr" sz="quarter" idx="4"/>
+          </p:nvPr>
+        </p:nvSpPr>
+        <p:spPr>
+          <a:xfrm>
+            <a:off x="0" y="8685213"/>
+            <a:ext cx="2971800" cy="458787"/>
+          </a:xfrm>
+          <a:prstGeom prst="rect">
+            <a:avLst/>
+          </a:prstGeom>
+        </p:spPr>
+        <p:txBody>
+          <a:bodyPr vert="horz" lIns="91440" tIns="45720" rIns="91440" bIns="45720" rtlCol="0" anchor="b"/>
+          <a:lstStyle>
+            <a:lvl1pPr algn="l">
+              <a:defRPr sz="1200"/>
+            </a:lvl1pPr>
+          </a:lstStyle>
+          <a:p>
+            <a:endParaRPr lang="en-CA"/>
+          </a:p>
+        </p:txBody>
+      </p:sp>
+      <p:sp>
+        <p:nvSpPr>
+          <p:cNvPr id="7" name="Slide Number Placeholder 6"/>
+          <p:cNvSpPr>
+            <a:spLocks noGrp="1"/>
+          </p:cNvSpPr>
+          <p:nvPr>
+            <p:ph type="sldNum" sz="quarter" idx="5"/>
+          </p:nvPr>
+        </p:nvSpPr>
+        <p:spPr>
+          <a:xfrm>
+            <a:off x="3884613" y="8685213"/>
+            <a:ext cx="2971800" cy="458787"/>
+          </a:xfrm>
+          <a:prstGeom prst="rect">
+            <a:avLst/>
+          </a:prstGeom>
+        </p:spPr>
+        <p:txBody>
+          <a:bodyPr vert="horz" lIns="91440" tIns="45720" rIns="91440" bIns="45720" rtlCol="0" anchor="b"/>
+          <a:lstStyle>
+            <a:lvl1pPr algn="r">
+              <a:defRPr sz="1200"/>
+            </a:lvl1pPr>
+          </a:lstStyle>
+          <a:p>
+            <a:fld id="{B6622E05-E3DA-4BFF-BA9E-EC584FFB8B38}" type="slidenum">
+              <a:rPr lang="en-CA" smtClean="0"/>
+              <a:t>‹#›</a:t>
+            </a:fld>
+            <a:endParaRPr lang="en-CA"/>
+          </a:p>
+        </p:txBody>
+      </p:sp>
+    </p:spTree>
+    <p:extLst>
+      <p:ext uri="{BB962C8B-B14F-4D97-AF65-F5344CB8AC3E}">
+        <p14:creationId xmlns:p14="http://schemas.microsoft.com/office/powerpoint/2010/main" val="2906516187"/>
+      </p:ext>
+    </p:extLst>
+  </p:cSld>
+  <p:clrMap bg1="lt1" tx1="dk1" bg2="lt2" tx2="dk2" accent1="accent1" accent2="accent2" accent3="accent3" accent4="accent4" accent5="accent5" accent6="accent6" hlink="hlink" folHlink="folHlink"/>
+  <p:notesStyle>
+    <a:lvl1pPr marL="0" algn="l" defTabSz="914400" rtl="0" eaLnBrk="1" latinLnBrk="0" hangingPunct="1">
+      <a:defRPr sz="1200" kern="1200">
+        <a:solidFill>
+          <a:schemeClr val="tx1"/>
+        </a:solidFill>
+        <a:latin typeface="+mn-lt"/>
+        <a:ea typeface="+mn-ea"/>
+        <a:cs typeface="+mn-cs"/>
+      </a:defRPr>
+    </a:lvl1pPr>
+    <a:lvl2pPr marL="457200" algn="l" defTabSz="914400" rtl="0" eaLnBrk="1" latinLnBrk="0" hangingPunct="1">
+      <a:defRPr sz="1200" kern="1200">
+        <a:solidFill>
+          <a:schemeClr val="tx1"/>
+        </a:solidFill>
+        <a:latin typeface="+mn-lt"/>
+        <a:ea typeface="+mn-ea"/>
+        <a:cs typeface="+mn-cs"/>
+      </a:defRPr>
+    </a:lvl2pPr>
+    <a:lvl3pPr marL="914400" algn="l" defTabSz="914400" rtl="0" eaLnBrk="1" latinLnBrk="0" hangingPunct="1">
+      <a:defRPr sz="1200" kern="1200">
+        <a:solidFill>
+          <a:schemeClr val="tx1"/>
+        </a:solidFill>
+        <a:latin typeface="+mn-lt"/>
+        <a:ea typeface="+mn-ea"/>
+        <a:cs typeface="+mn-cs"/>
+      </a:defRPr>
+    </a:lvl3pPr>
+    <a:lvl4pPr marL="1371600" algn="l" defTabSz="914400" rtl="0" eaLnBrk="1" latinLnBrk="0" hangingPunct="1">
+      <a:defRPr sz="1200" kern="1200">
+        <a:solidFill>
+          <a:schemeClr val="tx1"/>
+        </a:solidFill>
+        <a:latin typeface="+mn-lt"/>
+        <a:ea typeface="+mn-ea"/>
+        <a:cs typeface="+mn-cs"/>
+      </a:defRPr>
+    </a:lvl4pPr>
+    <a:lvl5pPr marL="1828800" algn="l" defTabSz="914400" rtl="0" eaLnBrk="1" latinLnBrk="0" hangingPunct="1">
+      <a:defRPr sz="1200" kern="1200">
+        <a:solidFill>
+          <a:schemeClr val="tx1"/>
+        </a:solidFill>
+        <a:latin typeface="+mn-lt"/>
+        <a:ea typeface="+mn-ea"/>
+        <a:cs typeface="+mn-cs"/>
+      </a:defRPr>
+    </a:lvl5pPr>
+    <a:lvl6pPr marL="2286000" algn="l" defTabSz="914400" rtl="0" eaLnBrk="1" latinLnBrk="0" hangingPunct="1">
+      <a:defRPr sz="1200" kern="1200">
+        <a:solidFill>
+          <a:schemeClr val="tx1"/>
+        </a:solidFill>
+        <a:latin typeface="+mn-lt"/>
+        <a:ea typeface="+mn-ea"/>
+        <a:cs typeface="+mn-cs"/>
+      </a:defRPr>
+    </a:lvl6pPr>
+    <a:lvl7pPr marL="2743200" algn="l" defTabSz="914400" rtl="0" eaLnBrk="1" latinLnBrk="0" hangingPunct="1">
+      <a:defRPr sz="1200" kern="1200">
+        <a:solidFill>
+          <a:schemeClr val="tx1"/>
+        </a:solidFill>
+        <a:latin typeface="+mn-lt"/>
+        <a:ea typeface="+mn-ea"/>
+        <a:cs typeface="+mn-cs"/>
+      </a:defRPr>
+    </a:lvl7pPr>
+    <a:lvl8pPr marL="3200400" algn="l" defTabSz="914400" rtl="0" eaLnBrk="1" latinLnBrk="0" hangingPunct="1">
+      <a:defRPr sz="1200" kern="1200">
+        <a:solidFill>
+          <a:schemeClr val="tx1"/>
+        </a:solidFill>
+        <a:latin typeface="+mn-lt"/>
+        <a:ea typeface="+mn-ea"/>
+        <a:cs typeface="+mn-cs"/>
+      </a:defRPr>
+    </a:lvl8pPr>
+    <a:lvl9pPr marL="3657600" algn="l" defTabSz="914400" rtl="0" eaLnBrk="1" latinLnBrk="0" hangingPunct="1">
+      <a:defRPr sz="1200" kern="1200">
+        <a:solidFill>
+          <a:schemeClr val="tx1"/>
+        </a:solidFill>
+        <a:latin typeface="+mn-lt"/>
+        <a:ea typeface="+mn-ea"/>
+        <a:cs typeface="+mn-cs"/>
+      </a:defRPr>
+    </a:lvl9pPr>
+  </p:notesStyle>
+</p:notesMaster>
+</file>
+
+<file path=ppt/notesSlides/notesSlide1.xml><?xml version="1.0" encoding="utf-8"?>
+<p:notes xmlns:a="http://schemas.openxmlformats.org/drawingml/2006/main" xmlns:r="http://schemas.openxmlformats.org/officeDocument/2006/relationships" xmlns:p="http://schemas.openxmlformats.org/presentationml/2006/main">
+  <p:cSld>
+    <p:spTree>
+      <p:nvGrpSpPr>
+        <p:cNvPr id="1" name=""/>
+        <p:cNvGrpSpPr/>
+        <p:nvPr/>
+      </p:nvGrpSpPr>
+      <p:grpSpPr>
+        <a:xfrm>
+          <a:off x="0" y="0"/>
+          <a:ext cx="0" cy="0"/>
+          <a:chOff x="0" y="0"/>
+          <a:chExt cx="0" cy="0"/>
+        </a:xfrm>
+      </p:grpSpPr>
+      <p:sp>
+        <p:nvSpPr>
+          <p:cNvPr id="2" name="Slide Image Placeholder 1"/>
+          <p:cNvSpPr>
+            <a:spLocks noGrp="1" noRot="1" noChangeAspect="1"/>
+          </p:cNvSpPr>
+          <p:nvPr>
+            <p:ph type="sldImg"/>
+          </p:nvPr>
+        </p:nvSpPr>
+        <p:spPr/>
+      </p:sp>
+      <p:sp>
+        <p:nvSpPr>
+          <p:cNvPr id="3" name="Notes Placeholder 2"/>
+          <p:cNvSpPr>
+            <a:spLocks noGrp="1"/>
+          </p:cNvSpPr>
+          <p:nvPr>
+            <p:ph type="body" idx="1"/>
+          </p:nvPr>
+        </p:nvSpPr>
+        <p:spPr/>
+        <p:txBody>
+          <a:bodyPr/>
+          <a:lstStyle/>
+          <a:p>
+            <a:endParaRPr lang="en-CA" dirty="0"/>
+          </a:p>
+        </p:txBody>
+      </p:sp>
+      <p:sp>
+        <p:nvSpPr>
+          <p:cNvPr id="4" name="Slide Number Placeholder 3"/>
+          <p:cNvSpPr>
+            <a:spLocks noGrp="1"/>
+          </p:cNvSpPr>
+          <p:nvPr>
+            <p:ph type="sldNum" sz="quarter" idx="5"/>
+          </p:nvPr>
+        </p:nvSpPr>
+        <p:spPr/>
+        <p:txBody>
+          <a:bodyPr/>
+          <a:lstStyle/>
+          <a:p>
+            <a:fld id="{B6622E05-E3DA-4BFF-BA9E-EC584FFB8B38}" type="slidenum">
+              <a:rPr lang="en-CA" smtClean="0"/>
+              <a:t>1</a:t>
+            </a:fld>
+            <a:endParaRPr lang="en-CA"/>
+          </a:p>
+        </p:txBody>
+      </p:sp>
+    </p:spTree>
+    <p:extLst>
+      <p:ext uri="{BB962C8B-B14F-4D97-AF65-F5344CB8AC3E}">
+        <p14:creationId xmlns:p14="http://schemas.microsoft.com/office/powerpoint/2010/main" val="327396827"/>
+      </p:ext>
+    </p:extLst>
+  </p:cSld>
+  <p:clrMapOvr>
+    <a:masterClrMapping/>
+  </p:clrMapOvr>
+</p:notes>
+</file>
+
 <file path=ppt/slideLayouts/slideLayout1.xml><?xml version="1.0" encoding="utf-8"?>
 <p:sldLayout xmlns:a="http://schemas.openxmlformats.org/drawingml/2006/main" xmlns:r="http://schemas.openxmlformats.org/officeDocument/2006/relationships" xmlns:p="http://schemas.openxmlformats.org/presentationml/2006/main" type="title" preserve="1">
   <p:cSld name="Title Slide">
@@ -269,7 +706,7 @@
           <a:p>
             <a:fld id="{CB4ED598-43EB-408A-9236-B45AB4DAC6D0}" type="datetimeFigureOut">
               <a:rPr lang="en-CA" smtClean="0"/>
-              <a:t>2020-01-14</a:t>
+              <a:t>2020-01-19</a:t>
             </a:fld>
             <a:endParaRPr lang="en-CA"/>
           </a:p>
@@ -469,7 +906,7 @@
           <a:p>
             <a:fld id="{CB4ED598-43EB-408A-9236-B45AB4DAC6D0}" type="datetimeFigureOut">
               <a:rPr lang="en-CA" smtClean="0"/>
-              <a:t>2020-01-14</a:t>
+              <a:t>2020-01-19</a:t>
             </a:fld>
             <a:endParaRPr lang="en-CA"/>
           </a:p>
@@ -679,7 +1116,7 @@
           <a:p>
             <a:fld id="{CB4ED598-43EB-408A-9236-B45AB4DAC6D0}" type="datetimeFigureOut">
               <a:rPr lang="en-CA" smtClean="0"/>
-              <a:t>2020-01-14</a:t>
+              <a:t>2020-01-19</a:t>
             </a:fld>
             <a:endParaRPr lang="en-CA"/>
           </a:p>
@@ -879,7 +1316,7 @@
           <a:p>
             <a:fld id="{CB4ED598-43EB-408A-9236-B45AB4DAC6D0}" type="datetimeFigureOut">
               <a:rPr lang="en-CA" smtClean="0"/>
-              <a:t>2020-01-14</a:t>
+              <a:t>2020-01-19</a:t>
             </a:fld>
             <a:endParaRPr lang="en-CA"/>
           </a:p>
@@ -1155,7 +1592,7 @@
           <a:p>
             <a:fld id="{CB4ED598-43EB-408A-9236-B45AB4DAC6D0}" type="datetimeFigureOut">
               <a:rPr lang="en-CA" smtClean="0"/>
-              <a:t>2020-01-14</a:t>
+              <a:t>2020-01-19</a:t>
             </a:fld>
             <a:endParaRPr lang="en-CA"/>
           </a:p>
@@ -1423,7 +1860,7 @@
           <a:p>
             <a:fld id="{CB4ED598-43EB-408A-9236-B45AB4DAC6D0}" type="datetimeFigureOut">
               <a:rPr lang="en-CA" smtClean="0"/>
-              <a:t>2020-01-14</a:t>
+              <a:t>2020-01-19</a:t>
             </a:fld>
             <a:endParaRPr lang="en-CA"/>
           </a:p>
@@ -1838,7 +2275,7 @@
           <a:p>
             <a:fld id="{CB4ED598-43EB-408A-9236-B45AB4DAC6D0}" type="datetimeFigureOut">
               <a:rPr lang="en-CA" smtClean="0"/>
-              <a:t>2020-01-14</a:t>
+              <a:t>2020-01-19</a:t>
             </a:fld>
             <a:endParaRPr lang="en-CA"/>
           </a:p>
@@ -1980,7 +2417,7 @@
           <a:p>
             <a:fld id="{CB4ED598-43EB-408A-9236-B45AB4DAC6D0}" type="datetimeFigureOut">
               <a:rPr lang="en-CA" smtClean="0"/>
-              <a:t>2020-01-14</a:t>
+              <a:t>2020-01-19</a:t>
             </a:fld>
             <a:endParaRPr lang="en-CA"/>
           </a:p>
@@ -2093,7 +2530,7 @@
           <a:p>
             <a:fld id="{CB4ED598-43EB-408A-9236-B45AB4DAC6D0}" type="datetimeFigureOut">
               <a:rPr lang="en-CA" smtClean="0"/>
-              <a:t>2020-01-14</a:t>
+              <a:t>2020-01-19</a:t>
             </a:fld>
             <a:endParaRPr lang="en-CA"/>
           </a:p>
@@ -2406,7 +2843,7 @@
           <a:p>
             <a:fld id="{CB4ED598-43EB-408A-9236-B45AB4DAC6D0}" type="datetimeFigureOut">
               <a:rPr lang="en-CA" smtClean="0"/>
-              <a:t>2020-01-14</a:t>
+              <a:t>2020-01-19</a:t>
             </a:fld>
             <a:endParaRPr lang="en-CA"/>
           </a:p>
@@ -2695,7 +3132,7 @@
           <a:p>
             <a:fld id="{CB4ED598-43EB-408A-9236-B45AB4DAC6D0}" type="datetimeFigureOut">
               <a:rPr lang="en-CA" smtClean="0"/>
-              <a:t>2020-01-14</a:t>
+              <a:t>2020-01-19</a:t>
             </a:fld>
             <a:endParaRPr lang="en-CA"/>
           </a:p>
@@ -2938,7 +3375,7 @@
           <a:p>
             <a:fld id="{CB4ED598-43EB-408A-9236-B45AB4DAC6D0}" type="datetimeFigureOut">
               <a:rPr lang="en-CA" smtClean="0"/>
-              <a:t>2020-01-14</a:t>
+              <a:t>2020-01-19</a:t>
             </a:fld>
             <a:endParaRPr lang="en-CA"/>
           </a:p>
@@ -3385,7 +3822,21 @@
           <a:p>
             <a:r>
               <a:rPr lang="en-US" dirty="0"/>
-              <a:t>Workshop 2: Using Arduino: Intro to Arduino. Control one LED. LED matrix. Working with registers and large LED matrices</a:t>
+              <a:t>Workshop 2: </a:t>
+            </a:r>
+            <a:br>
+              <a:rPr lang="en-US" dirty="0"/>
+            </a:br>
+            <a:r>
+              <a:rPr lang="en-US" dirty="0"/>
+              <a:t>Using Arduino: Intro to Arduino </a:t>
+            </a:r>
+            <a:br>
+              <a:rPr lang="en-US" dirty="0"/>
+            </a:br>
+            <a:r>
+              <a:rPr lang="en-US" dirty="0"/>
+              <a:t>Control an LED</a:t>
             </a:r>
           </a:p>
         </p:txBody>
@@ -3499,39 +3950,36 @@
           <a:bodyPr/>
           <a:lstStyle/>
           <a:p>
+            <a:pPr marL="0" indent="0">
+              <a:buNone/>
+            </a:pPr>
             <a:r>
               <a:rPr lang="en-US" dirty="0"/>
-              <a:t>- Learning outcome: Basics of Arduino programming (C programming, compiling code).</a:t>
+              <a:t>Learning outcome: </a:t>
+            </a:r>
+          </a:p>
+          <a:p>
+            <a:r>
+              <a:rPr lang="en-US" dirty="0"/>
+              <a:t>Basics of Arduino programming (C programming, compiling code).</a:t>
             </a:r>
           </a:p>
           <a:p>
             <a:r>
               <a:rPr lang="en-CA" dirty="0"/>
-              <a:t>- Project: LED cube</a:t>
+              <a:t>C programming: 45 min</a:t>
             </a:r>
           </a:p>
           <a:p>
             <a:r>
               <a:rPr lang="en-CA" dirty="0"/>
-              <a:t>- C programming: 45 min</a:t>
+              <a:t>Arduino programming: 20 min</a:t>
             </a:r>
           </a:p>
           <a:p>
             <a:r>
               <a:rPr lang="en-CA" dirty="0"/>
-              <a:t>- compiling code: 10 min</a:t>
-            </a:r>
-          </a:p>
-          <a:p>
-            <a:r>
-              <a:rPr lang="en-CA" dirty="0"/>
-              <a:t>- registers: 20 min</a:t>
-            </a:r>
-          </a:p>
-          <a:p>
-            <a:r>
-              <a:rPr lang="en-CA" dirty="0"/>
-              <a:t>- LED cube: 1 hr</a:t>
+              <a:t>Compiling code: 10 min</a:t>
             </a:r>
           </a:p>
         </p:txBody>
@@ -3623,21 +4071,18 @@
               <a:rPr lang="en-CA" dirty="0">
                 <a:hlinkClick r:id="rId2"/>
               </a:rPr>
-              <a:t>https://repl.it/languages/</a:t>
-            </a:r>
-            <a:r>
-              <a:rPr lang="en-CA">
-                <a:hlinkClick r:id="rId2"/>
-              </a:rPr>
-              <a:t>c</a:t>
-            </a:r>
-            <a:r>
-              <a:rPr lang="en-CA"/>
+              <a:t>https://repl.it/languages/c</a:t>
+            </a:r>
+            <a:r>
+              <a:rPr lang="en-CA" dirty="0"/>
               <a:t> </a:t>
             </a:r>
           </a:p>
           <a:p>
-            <a:endParaRPr lang="en-CA" dirty="0"/>
+            <a:r>
+              <a:rPr lang="en-CA" dirty="0"/>
+              <a:t>Go through the Programming-1 workshop</a:t>
+            </a:r>
           </a:p>
         </p:txBody>
       </p:sp>
@@ -3763,7 +4208,7 @@
           <p:cNvPr id="2" name="Title 1">
             <a:extLst>
               <a:ext uri="{FF2B5EF4-FFF2-40B4-BE49-F238E27FC236}">
-                <a16:creationId xmlns:a16="http://schemas.microsoft.com/office/drawing/2014/main" id="{78EC43A8-A1DF-452C-BF77-0D18292103CE}"/>
+                <a16:creationId xmlns:a16="http://schemas.microsoft.com/office/drawing/2014/main" id="{079697C3-B704-4503-A6F9-3A0D6EA25812}"/>
               </a:ext>
             </a:extLst>
           </p:cNvPr>
@@ -3781,7 +4226,14 @@
           <a:p>
             <a:r>
               <a:rPr lang="en-CA" dirty="0"/>
-              <a:t>Overview of programming</a:t>
+              <a:t>Programming an Arduino </a:t>
+            </a:r>
+            <a:br>
+              <a:rPr lang="en-CA" dirty="0"/>
+            </a:br>
+            <a:r>
+              <a:rPr lang="en-CA" dirty="0"/>
+              <a:t>using the Arduino IDE</a:t>
             </a:r>
           </a:p>
         </p:txBody>
@@ -3791,7 +4243,7 @@
           <p:cNvPr id="3" name="Content Placeholder 2">
             <a:extLst>
               <a:ext uri="{FF2B5EF4-FFF2-40B4-BE49-F238E27FC236}">
-                <a16:creationId xmlns:a16="http://schemas.microsoft.com/office/drawing/2014/main" id="{4A02B471-9B5E-4C29-B2C3-CBBEC2BF0E56}"/>
+                <a16:creationId xmlns:a16="http://schemas.microsoft.com/office/drawing/2014/main" id="{003F5EFE-D66D-4478-9913-0D9E96B9767E}"/>
               </a:ext>
             </a:extLst>
           </p:cNvPr>
@@ -3809,66 +4261,35 @@
           <a:p>
             <a:r>
               <a:rPr lang="en-CA" dirty="0"/>
-              <a:t>Instructions sent to computer</a:t>
+              <a:t>Teach what an Arduino is </a:t>
             </a:r>
           </a:p>
           <a:p>
             <a:pPr lvl="1"/>
             <a:r>
               <a:rPr lang="en-CA" dirty="0"/>
-              <a:t>Run sequentially</a:t>
-            </a:r>
-          </a:p>
-          <a:p>
-            <a:pPr lvl="1"/>
+              <a:t>background information</a:t>
+            </a:r>
+          </a:p>
+          <a:p>
+            <a:pPr lvl="2"/>
             <a:r>
               <a:rPr lang="en-CA" dirty="0"/>
-              <a:t>Do A, then B, </a:t>
-            </a:r>
-            <a:r>
-              <a:rPr lang="en-CA" dirty="0" err="1"/>
-              <a:t>etc</a:t>
-            </a:r>
-            <a:endParaRPr lang="en-CA" dirty="0"/>
-          </a:p>
-          <a:p>
+              <a:t>how does it work</a:t>
+            </a:r>
+          </a:p>
+          <a:p>
+            <a:pPr lvl="2"/>
             <a:r>
               <a:rPr lang="en-CA" dirty="0"/>
-              <a:t>Can store data in variables</a:t>
-            </a:r>
-          </a:p>
-          <a:p>
-            <a:pPr lvl="1"/>
+              <a:t>what is it</a:t>
+            </a:r>
+          </a:p>
+          <a:p>
+            <a:pPr lvl="2"/>
             <a:r>
               <a:rPr lang="en-CA" dirty="0"/>
-              <a:t>Types include: int, character, float, Boolean</a:t>
-            </a:r>
-          </a:p>
-          <a:p>
-            <a:r>
-              <a:rPr lang="en-CA" dirty="0"/>
-              <a:t>Can run operations on variables</a:t>
-            </a:r>
-          </a:p>
-          <a:p>
-            <a:pPr lvl="1"/>
-            <a:r>
-              <a:rPr lang="en-CA" dirty="0"/>
-              <a:t>Assign value</a:t>
-            </a:r>
-          </a:p>
-          <a:p>
-            <a:pPr lvl="1"/>
-            <a:r>
-              <a:rPr lang="en-CA" dirty="0"/>
-              <a:t>Increment/decrement value</a:t>
-            </a:r>
-          </a:p>
-          <a:p>
-            <a:pPr lvl="1"/>
-            <a:r>
-              <a:rPr lang="en-CA" dirty="0"/>
-              <a:t>Sum, division, multiplication, subtraction</a:t>
+              <a:t>does it taste good</a:t>
             </a:r>
           </a:p>
         </p:txBody>
@@ -3876,7 +4297,7 @@
     </p:spTree>
     <p:extLst>
       <p:ext uri="{BB962C8B-B14F-4D97-AF65-F5344CB8AC3E}">
-        <p14:creationId xmlns:p14="http://schemas.microsoft.com/office/powerpoint/2010/main" val="1926071652"/>
+        <p14:creationId xmlns:p14="http://schemas.microsoft.com/office/powerpoint/2010/main" val="3727757858"/>
       </p:ext>
     </p:extLst>
   </p:cSld>
@@ -3908,7 +4329,7 @@
           <p:cNvPr id="2" name="Title 1">
             <a:extLst>
               <a:ext uri="{FF2B5EF4-FFF2-40B4-BE49-F238E27FC236}">
-                <a16:creationId xmlns:a16="http://schemas.microsoft.com/office/drawing/2014/main" id="{0D89CF4B-FAF6-4B78-AFC6-6F9F5B9CC2D2}"/>
+                <a16:creationId xmlns:a16="http://schemas.microsoft.com/office/drawing/2014/main" id="{9E88C20C-211C-4627-8AC8-B814CAA15ED2}"/>
               </a:ext>
             </a:extLst>
           </p:cNvPr>
@@ -3926,7 +4347,7 @@
           <a:p>
             <a:r>
               <a:rPr lang="en-CA" dirty="0"/>
-              <a:t>Comparisons</a:t>
+              <a:t>What is an Arduino?</a:t>
             </a:r>
           </a:p>
         </p:txBody>
@@ -3936,7 +4357,7 @@
           <p:cNvPr id="3" name="Content Placeholder 2">
             <a:extLst>
               <a:ext uri="{FF2B5EF4-FFF2-40B4-BE49-F238E27FC236}">
-                <a16:creationId xmlns:a16="http://schemas.microsoft.com/office/drawing/2014/main" id="{A65D6D66-972A-4B09-AC02-99A311BE5405}"/>
+                <a16:creationId xmlns:a16="http://schemas.microsoft.com/office/drawing/2014/main" id="{4B4BEB13-9E42-47BF-A4D1-CEC82C20ECB2}"/>
               </a:ext>
             </a:extLst>
           </p:cNvPr>
@@ -3949,63 +4370,12 @@
         </p:nvSpPr>
         <p:spPr/>
         <p:txBody>
-          <a:bodyPr>
-            <a:normAutofit lnSpcReduction="10000"/>
-          </a:bodyPr>
+          <a:bodyPr/>
           <a:lstStyle/>
           <a:p>
             <a:r>
               <a:rPr lang="en-CA" dirty="0"/>
-              <a:t>Boolean algebra is crucial to programming</a:t>
-            </a:r>
-          </a:p>
-          <a:p>
-            <a:r>
-              <a:rPr lang="en-CA" dirty="0"/>
-              <a:t>Boolean variable:</a:t>
-            </a:r>
-          </a:p>
-          <a:p>
-            <a:pPr lvl="1"/>
-            <a:r>
-              <a:rPr lang="en-CA" dirty="0"/>
-              <a:t>2 values: true, false</a:t>
-            </a:r>
-          </a:p>
-          <a:p>
-            <a:r>
-              <a:rPr lang="en-CA" dirty="0"/>
-              <a:t>Three operations exist: AND, OR, NOT</a:t>
-            </a:r>
-          </a:p>
-          <a:p>
-            <a:endParaRPr lang="en-CA" dirty="0"/>
-          </a:p>
-          <a:p>
-            <a:pPr marL="0" indent="0">
-              <a:buNone/>
-            </a:pPr>
-            <a:r>
-              <a:rPr lang="en-CA" dirty="0"/>
-              <a:t>Let x = true, y = false</a:t>
-            </a:r>
-          </a:p>
-          <a:p>
-            <a:r>
-              <a:rPr lang="en-CA" dirty="0"/>
-              <a:t>NOT x = false</a:t>
-            </a:r>
-          </a:p>
-          <a:p>
-            <a:r>
-              <a:rPr lang="en-CA" dirty="0"/>
-              <a:t>x and y = false</a:t>
-            </a:r>
-          </a:p>
-          <a:p>
-            <a:r>
-              <a:rPr lang="en-CA" dirty="0"/>
-              <a:t>x or y = true</a:t>
+              <a:t>Microprocessor. Has programmable pins that allow you to read data from sensors and send data to other </a:t>
             </a:r>
           </a:p>
         </p:txBody>
@@ -4013,7 +4383,7 @@
     </p:spTree>
     <p:extLst>
       <p:ext uri="{BB962C8B-B14F-4D97-AF65-F5344CB8AC3E}">
-        <p14:creationId xmlns:p14="http://schemas.microsoft.com/office/powerpoint/2010/main" val="1268356443"/>
+        <p14:creationId xmlns:p14="http://schemas.microsoft.com/office/powerpoint/2010/main" val="1959147094"/>
       </p:ext>
     </p:extLst>
   </p:cSld>
@@ -4045,7 +4415,7 @@
           <p:cNvPr id="2" name="Title 1">
             <a:extLst>
               <a:ext uri="{FF2B5EF4-FFF2-40B4-BE49-F238E27FC236}">
-                <a16:creationId xmlns:a16="http://schemas.microsoft.com/office/drawing/2014/main" id="{93861000-98F8-4A84-AC8E-06ACC53FC94C}"/>
+                <a16:creationId xmlns:a16="http://schemas.microsoft.com/office/drawing/2014/main" id="{0AB6658E-EA69-4795-B871-7D8FE4FCCFA6}"/>
               </a:ext>
             </a:extLst>
           </p:cNvPr>
@@ -4063,7 +4433,7 @@
           <a:p>
             <a:r>
               <a:rPr lang="en-CA" dirty="0"/>
-              <a:t>How to think of Boolean expressions</a:t>
+              <a:t>Pins:</a:t>
             </a:r>
           </a:p>
         </p:txBody>
@@ -4073,7 +4443,7 @@
           <p:cNvPr id="3" name="Content Placeholder 2">
             <a:extLst>
               <a:ext uri="{FF2B5EF4-FFF2-40B4-BE49-F238E27FC236}">
-                <a16:creationId xmlns:a16="http://schemas.microsoft.com/office/drawing/2014/main" id="{11902426-8A76-469B-9306-C26C8709C51E}"/>
+                <a16:creationId xmlns:a16="http://schemas.microsoft.com/office/drawing/2014/main" id="{9F5CCA62-3C4F-49ED-B735-B96A6EDDE2B0}"/>
               </a:ext>
             </a:extLst>
           </p:cNvPr>
@@ -4086,37 +4456,66 @@
         </p:nvSpPr>
         <p:spPr/>
         <p:txBody>
-          <a:bodyPr/>
+          <a:bodyPr>
+            <a:normAutofit fontScale="92500" lnSpcReduction="20000"/>
+          </a:bodyPr>
           <a:lstStyle/>
           <a:p>
             <a:r>
               <a:rPr lang="en-CA" dirty="0"/>
-              <a:t>A combination of Boolean variables is a Boolean expression</a:t>
+              <a:t>Pins A0-A7</a:t>
             </a:r>
           </a:p>
           <a:p>
             <a:pPr lvl="1"/>
             <a:r>
               <a:rPr lang="en-CA" dirty="0"/>
-              <a:t>Ex: x AND y, NOT x, x</a:t>
+              <a:t>Analog pins. Can read/write values between 0V and 5V</a:t>
             </a:r>
           </a:p>
           <a:p>
             <a:r>
               <a:rPr lang="en-CA" dirty="0"/>
-              <a:t>Boolean expressions are, themselves, either true or false</a:t>
-            </a:r>
-          </a:p>
-          <a:p>
+              <a:t>Pins D2-D13</a:t>
+            </a:r>
+          </a:p>
+          <a:p>
+            <a:pPr lvl="1"/>
+            <a:r>
+              <a:rPr lang="en-CA" dirty="0"/>
+              <a:t>Digital pins. Either on or off (5V or 0V)</a:t>
+            </a:r>
+          </a:p>
+          <a:p>
+            <a:pPr lvl="1"/>
             <a:endParaRPr lang="en-CA" dirty="0"/>
           </a:p>
           <a:p>
+            <a:pPr lvl="1"/>
+            <a:endParaRPr lang="en-CA" dirty="0"/>
+          </a:p>
+          <a:p>
+            <a:r>
+              <a:rPr lang="en-CA" dirty="0"/>
+              <a:t>Need to set a pin to be either an OUTPUT or INPUT in the setup()</a:t>
+            </a:r>
+          </a:p>
+          <a:p>
+            <a:endParaRPr lang="en-CA" dirty="0"/>
+          </a:p>
+          <a:p>
             <a:pPr marL="0" indent="0">
               <a:buNone/>
             </a:pPr>
             <a:r>
-              <a:rPr lang="en-CA" dirty="0"/>
-              <a:t>The easiest way to process Boolean expressions is with if statements</a:t>
+              <a:rPr lang="en-CA" dirty="0">
+                <a:solidFill>
+                  <a:schemeClr val="bg1">
+                    <a:lumMod val="50000"/>
+                  </a:schemeClr>
+                </a:solidFill>
+              </a:rPr>
+              <a:t>ex:</a:t>
             </a:r>
           </a:p>
           <a:p>
@@ -4124,8 +4523,24 @@
               <a:buNone/>
             </a:pPr>
             <a:r>
-              <a:rPr lang="en-CA" dirty="0"/>
-              <a:t>	I’ll do ‘B’ if ‘A’</a:t>
+              <a:rPr lang="en-CA" dirty="0" err="1">
+                <a:solidFill>
+                  <a:schemeClr val="bg1">
+                    <a:lumMod val="50000"/>
+                  </a:schemeClr>
+                </a:solidFill>
+              </a:rPr>
+              <a:t>pinMode</a:t>
+            </a:r>
+            <a:r>
+              <a:rPr lang="en-CA" dirty="0">
+                <a:solidFill>
+                  <a:schemeClr val="bg1">
+                    <a:lumMod val="50000"/>
+                  </a:schemeClr>
+                </a:solidFill>
+              </a:rPr>
+              <a:t>(A0, OUTPUT);</a:t>
             </a:r>
           </a:p>
           <a:p>
@@ -4133,8 +4548,24 @@
               <a:buNone/>
             </a:pPr>
             <a:r>
-              <a:rPr lang="en-CA" dirty="0"/>
-              <a:t>You would only do B if A is true.</a:t>
+              <a:rPr lang="en-CA" dirty="0" err="1">
+                <a:solidFill>
+                  <a:schemeClr val="bg1">
+                    <a:lumMod val="50000"/>
+                  </a:schemeClr>
+                </a:solidFill>
+              </a:rPr>
+              <a:t>pinMode</a:t>
+            </a:r>
+            <a:r>
+              <a:rPr lang="en-CA" dirty="0">
+                <a:solidFill>
+                  <a:schemeClr val="bg1">
+                    <a:lumMod val="50000"/>
+                  </a:schemeClr>
+                </a:solidFill>
+              </a:rPr>
+              <a:t>(10, INPUT);</a:t>
             </a:r>
           </a:p>
         </p:txBody>
@@ -4142,7 +4573,7 @@
     </p:spTree>
     <p:extLst>
       <p:ext uri="{BB962C8B-B14F-4D97-AF65-F5344CB8AC3E}">
-        <p14:creationId xmlns:p14="http://schemas.microsoft.com/office/powerpoint/2010/main" val="791211579"/>
+        <p14:creationId xmlns:p14="http://schemas.microsoft.com/office/powerpoint/2010/main" val="3092671526"/>
       </p:ext>
     </p:extLst>
   </p:cSld>
@@ -4174,7 +4605,7 @@
           <p:cNvPr id="2" name="Title 1">
             <a:extLst>
               <a:ext uri="{FF2B5EF4-FFF2-40B4-BE49-F238E27FC236}">
-                <a16:creationId xmlns:a16="http://schemas.microsoft.com/office/drawing/2014/main" id="{C13CB87B-37BD-4703-94C9-C15A1A05CFED}"/>
+                <a16:creationId xmlns:a16="http://schemas.microsoft.com/office/drawing/2014/main" id="{DD95CDEE-D0C6-421D-856D-E2172083FA0F}"/>
               </a:ext>
             </a:extLst>
           </p:cNvPr>
@@ -4192,7 +4623,7 @@
           <a:p>
             <a:r>
               <a:rPr lang="en-CA" dirty="0"/>
-              <a:t>How to think of Boolean expressions</a:t>
+              <a:t>Input pins:</a:t>
             </a:r>
           </a:p>
         </p:txBody>
@@ -4202,7 +4633,7 @@
           <p:cNvPr id="3" name="Content Placeholder 2">
             <a:extLst>
               <a:ext uri="{FF2B5EF4-FFF2-40B4-BE49-F238E27FC236}">
-                <a16:creationId xmlns:a16="http://schemas.microsoft.com/office/drawing/2014/main" id="{46A549BF-399B-4DF5-8BA9-42F2BCA75026}"/>
+                <a16:creationId xmlns:a16="http://schemas.microsoft.com/office/drawing/2014/main" id="{2F0FE97A-83AA-47F2-99FB-7C426CC0D976}"/>
               </a:ext>
             </a:extLst>
           </p:cNvPr>
@@ -4215,85 +4646,151 @@
         </p:nvSpPr>
         <p:spPr/>
         <p:txBody>
-          <a:bodyPr/>
+          <a:bodyPr>
+            <a:normAutofit fontScale="92500" lnSpcReduction="20000"/>
+          </a:bodyPr>
           <a:lstStyle/>
           <a:p>
             <a:r>
               <a:rPr lang="en-CA" dirty="0"/>
-              <a:t>A = x OR y</a:t>
-            </a:r>
-          </a:p>
-          <a:p>
+              <a:t>if digital pin (D2-D13)</a:t>
+            </a:r>
+          </a:p>
+          <a:p>
+            <a:pPr lvl="1"/>
+            <a:r>
+              <a:rPr lang="en-CA" dirty="0" err="1"/>
+              <a:t>digitalRead</a:t>
+            </a:r>
             <a:r>
               <a:rPr lang="en-CA" dirty="0"/>
-              <a:t>I’ll do B if x OR y</a:t>
+              <a:t>(pin#) returns the state of the pin</a:t>
             </a:r>
           </a:p>
           <a:p>
             <a:pPr lvl="1"/>
             <a:r>
               <a:rPr lang="en-CA" dirty="0"/>
-              <a:t>I’ll go to sleep if it’s later than 1am OR my phone runs out of battery</a:t>
+              <a:t>value either LOW or HIGH (0 or 1)</a:t>
+            </a:r>
+          </a:p>
+          <a:p>
+            <a:pPr lvl="1"/>
+            <a:endParaRPr lang="en-CA" dirty="0"/>
+          </a:p>
+          <a:p>
+            <a:pPr lvl="1"/>
+            <a:endParaRPr lang="en-CA" dirty="0"/>
+          </a:p>
+          <a:p>
+            <a:r>
+              <a:rPr lang="en-CA" dirty="0"/>
+              <a:t>if analog pin (A0-A7)</a:t>
+            </a:r>
+          </a:p>
+          <a:p>
+            <a:pPr lvl="1"/>
+            <a:r>
+              <a:rPr lang="en-CA" dirty="0" err="1"/>
+              <a:t>analogRead</a:t>
+            </a:r>
+            <a:r>
+              <a:rPr lang="en-CA" dirty="0"/>
+              <a:t>(pin#) return the state of the pin</a:t>
             </a:r>
           </a:p>
           <a:p>
             <a:pPr lvl="2"/>
             <a:r>
               <a:rPr lang="en-CA" dirty="0"/>
-              <a:t>Will go to sleep as long as 1 of the 2 is true</a:t>
-            </a:r>
-          </a:p>
-          <a:p>
-            <a:r>
-              <a:rPr lang="en-CA" dirty="0"/>
-              <a:t>A = x AND y</a:t>
-            </a:r>
-          </a:p>
-          <a:p>
-            <a:r>
-              <a:rPr lang="en-CA" dirty="0"/>
-              <a:t>I’ll do B if x AND y</a:t>
-            </a:r>
-          </a:p>
-          <a:p>
-            <a:pPr lvl="1"/>
-            <a:r>
-              <a:rPr lang="en-CA" dirty="0"/>
-              <a:t>I’ll lend you 5$ if you do my </a:t>
-            </a:r>
-            <a:r>
-              <a:rPr lang="en-CA" dirty="0" err="1"/>
-              <a:t>hw</a:t>
-            </a:r>
-            <a:r>
-              <a:rPr lang="en-CA" dirty="0"/>
-              <a:t> AND you drive me home</a:t>
+              <a:t>value between 0 and 1023</a:t>
             </a:r>
           </a:p>
           <a:p>
             <a:pPr lvl="2"/>
-            <a:r>
-              <a:rPr lang="en-CA" dirty="0"/>
-              <a:t>Will only lend $$ if driven home AND </a:t>
-            </a:r>
-            <a:r>
-              <a:rPr lang="en-CA" dirty="0" err="1"/>
-              <a:t>hw</a:t>
-            </a:r>
-            <a:r>
-              <a:rPr lang="en-CA" dirty="0"/>
-              <a:t> done</a:t>
-            </a:r>
-          </a:p>
-          <a:p>
             <a:endParaRPr lang="en-CA" dirty="0"/>
+          </a:p>
+          <a:p>
+            <a:pPr marL="0" indent="0">
+              <a:buNone/>
+            </a:pPr>
+            <a:r>
+              <a:rPr lang="en-CA" dirty="0">
+                <a:solidFill>
+                  <a:schemeClr val="bg1">
+                    <a:lumMod val="50000"/>
+                  </a:schemeClr>
+                </a:solidFill>
+              </a:rPr>
+              <a:t>ex:</a:t>
+            </a:r>
+          </a:p>
+          <a:p>
+            <a:pPr marL="0" indent="0">
+              <a:buNone/>
+            </a:pPr>
+            <a:r>
+              <a:rPr lang="en-CA" dirty="0" err="1">
+                <a:solidFill>
+                  <a:schemeClr val="bg1">
+                    <a:lumMod val="50000"/>
+                  </a:schemeClr>
+                </a:solidFill>
+              </a:rPr>
+              <a:t>pinMode</a:t>
+            </a:r>
+            <a:r>
+              <a:rPr lang="en-CA" dirty="0">
+                <a:solidFill>
+                  <a:schemeClr val="bg1">
+                    <a:lumMod val="50000"/>
+                  </a:schemeClr>
+                </a:solidFill>
+              </a:rPr>
+              <a:t>(A0, INPUT);</a:t>
+            </a:r>
+          </a:p>
+          <a:p>
+            <a:pPr marL="0" indent="0">
+              <a:buNone/>
+            </a:pPr>
+            <a:r>
+              <a:rPr lang="en-CA" dirty="0">
+                <a:solidFill>
+                  <a:schemeClr val="bg1">
+                    <a:lumMod val="50000"/>
+                  </a:schemeClr>
+                </a:solidFill>
+              </a:rPr>
+              <a:t>int x = </a:t>
+            </a:r>
+            <a:r>
+              <a:rPr lang="en-CA" dirty="0" err="1">
+                <a:solidFill>
+                  <a:schemeClr val="bg1">
+                    <a:lumMod val="50000"/>
+                  </a:schemeClr>
+                </a:solidFill>
+              </a:rPr>
+              <a:t>analogRead</a:t>
+            </a:r>
+            <a:r>
+              <a:rPr lang="en-CA" dirty="0">
+                <a:solidFill>
+                  <a:schemeClr val="bg1">
+                    <a:lumMod val="50000"/>
+                  </a:schemeClr>
+                </a:solidFill>
+              </a:rPr>
+              <a:t>(A0);</a:t>
+            </a:r>
           </a:p>
         </p:txBody>
       </p:sp>
     </p:spTree>
     <p:extLst>
       <p:ext uri="{BB962C8B-B14F-4D97-AF65-F5344CB8AC3E}">
-        <p14:creationId xmlns:p14="http://schemas.microsoft.com/office/powerpoint/2010/main" val="142314752"/>
+        <p14:creationId xmlns:p14="http://schemas.microsoft.com/office/powerpoint/2010/main" val="3809715537"/>
       </p:ext>
     </p:extLst>
   </p:cSld>
@@ -4325,7 +4822,7 @@
           <p:cNvPr id="2" name="Title 1">
             <a:extLst>
               <a:ext uri="{FF2B5EF4-FFF2-40B4-BE49-F238E27FC236}">
-                <a16:creationId xmlns:a16="http://schemas.microsoft.com/office/drawing/2014/main" id="{079697C3-B704-4503-A6F9-3A0D6EA25812}"/>
+                <a16:creationId xmlns:a16="http://schemas.microsoft.com/office/drawing/2014/main" id="{3D2ED5CC-8621-4A88-8954-0017066448FE}"/>
               </a:ext>
             </a:extLst>
           </p:cNvPr>
@@ -4341,7 +4838,10 @@
           <a:bodyPr/>
           <a:lstStyle/>
           <a:p>
-            <a:endParaRPr lang="en-CA"/>
+            <a:r>
+              <a:rPr lang="en-CA" dirty="0"/>
+              <a:t>Output pins</a:t>
+            </a:r>
           </a:p>
         </p:txBody>
       </p:sp>
@@ -4350,7 +4850,7 @@
           <p:cNvPr id="3" name="Content Placeholder 2">
             <a:extLst>
               <a:ext uri="{FF2B5EF4-FFF2-40B4-BE49-F238E27FC236}">
-                <a16:creationId xmlns:a16="http://schemas.microsoft.com/office/drawing/2014/main" id="{003F5EFE-D66D-4478-9913-0D9E96B9767E}"/>
+                <a16:creationId xmlns:a16="http://schemas.microsoft.com/office/drawing/2014/main" id="{49CEB9A1-2793-45F6-87B2-87A8AD033EDF}"/>
               </a:ext>
             </a:extLst>
           </p:cNvPr>
@@ -4363,17 +4863,150 @@
         </p:nvSpPr>
         <p:spPr/>
         <p:txBody>
-          <a:bodyPr/>
-          <a:lstStyle/>
-          <a:p>
-            <a:endParaRPr lang="en-CA"/>
+          <a:bodyPr>
+            <a:normAutofit lnSpcReduction="10000"/>
+          </a:bodyPr>
+          <a:lstStyle/>
+          <a:p>
+            <a:r>
+              <a:rPr lang="en-CA" dirty="0"/>
+              <a:t>if digital pin (D2-D13)</a:t>
+            </a:r>
+          </a:p>
+          <a:p>
+            <a:pPr lvl="1"/>
+            <a:r>
+              <a:rPr lang="en-CA" dirty="0" err="1"/>
+              <a:t>digitalWrite</a:t>
+            </a:r>
+            <a:r>
+              <a:rPr lang="en-CA" dirty="0"/>
+              <a:t>(pin#, value)</a:t>
+            </a:r>
+          </a:p>
+          <a:p>
+            <a:pPr lvl="2"/>
+            <a:r>
+              <a:rPr lang="en-CA" dirty="0"/>
+              <a:t>value = HIGH or LOW</a:t>
+            </a:r>
+          </a:p>
+          <a:p>
+            <a:pPr lvl="1"/>
+            <a:endParaRPr lang="en-CA" dirty="0"/>
+          </a:p>
+          <a:p>
+            <a:r>
+              <a:rPr lang="en-CA" dirty="0"/>
+              <a:t>if analog pin (A0-A7)</a:t>
+            </a:r>
+          </a:p>
+          <a:p>
+            <a:pPr lvl="1"/>
+            <a:r>
+              <a:rPr lang="en-CA" dirty="0" err="1"/>
+              <a:t>analogWrite</a:t>
+            </a:r>
+            <a:r>
+              <a:rPr lang="en-CA" dirty="0"/>
+              <a:t>(pin#, value) return the state of the pin</a:t>
+            </a:r>
+          </a:p>
+          <a:p>
+            <a:pPr lvl="2"/>
+            <a:r>
+              <a:rPr lang="en-CA" dirty="0"/>
+              <a:t>value between 0 and 255</a:t>
+            </a:r>
+          </a:p>
+          <a:p>
+            <a:pPr lvl="2"/>
+            <a:endParaRPr lang="en-CA" dirty="0"/>
+          </a:p>
+          <a:p>
+            <a:pPr marL="0" indent="0">
+              <a:buNone/>
+            </a:pPr>
+            <a:r>
+              <a:rPr lang="en-CA" dirty="0">
+                <a:solidFill>
+                  <a:schemeClr val="bg1">
+                    <a:lumMod val="50000"/>
+                  </a:schemeClr>
+                </a:solidFill>
+              </a:rPr>
+              <a:t>ex:</a:t>
+            </a:r>
+          </a:p>
+          <a:p>
+            <a:pPr marL="0" indent="0">
+              <a:buNone/>
+            </a:pPr>
+            <a:r>
+              <a:rPr lang="en-CA" dirty="0" err="1">
+                <a:solidFill>
+                  <a:schemeClr val="bg1">
+                    <a:lumMod val="50000"/>
+                  </a:schemeClr>
+                </a:solidFill>
+              </a:rPr>
+              <a:t>pinMode</a:t>
+            </a:r>
+            <a:r>
+              <a:rPr lang="en-CA" dirty="0">
+                <a:solidFill>
+                  <a:schemeClr val="bg1">
+                    <a:lumMod val="50000"/>
+                  </a:schemeClr>
+                </a:solidFill>
+              </a:rPr>
+              <a:t>(A0, OUTPUT);</a:t>
+            </a:r>
+          </a:p>
+          <a:p>
+            <a:pPr marL="0" indent="0">
+              <a:buNone/>
+            </a:pPr>
+            <a:r>
+              <a:rPr lang="en-CA" dirty="0">
+                <a:solidFill>
+                  <a:schemeClr val="bg1">
+                    <a:lumMod val="50000"/>
+                  </a:schemeClr>
+                </a:solidFill>
+              </a:rPr>
+              <a:t>int x = </a:t>
+            </a:r>
+            <a:r>
+              <a:rPr lang="en-CA" dirty="0" err="1">
+                <a:solidFill>
+                  <a:schemeClr val="bg1">
+                    <a:lumMod val="50000"/>
+                  </a:schemeClr>
+                </a:solidFill>
+              </a:rPr>
+              <a:t>analogRead</a:t>
+            </a:r>
+            <a:r>
+              <a:rPr lang="en-CA" dirty="0">
+                <a:solidFill>
+                  <a:schemeClr val="bg1">
+                    <a:lumMod val="50000"/>
+                  </a:schemeClr>
+                </a:solidFill>
+              </a:rPr>
+              <a:t>(A0, 255);</a:t>
+            </a:r>
+          </a:p>
+          <a:p>
+            <a:endParaRPr lang="en-CA" dirty="0"/>
           </a:p>
         </p:txBody>
       </p:sp>
     </p:spTree>
     <p:extLst>
       <p:ext uri="{BB962C8B-B14F-4D97-AF65-F5344CB8AC3E}">
-        <p14:creationId xmlns:p14="http://schemas.microsoft.com/office/powerpoint/2010/main" val="3727757858"/>
+        <p14:creationId xmlns:p14="http://schemas.microsoft.com/office/powerpoint/2010/main" val="866887735"/>
       </p:ext>
     </p:extLst>
   </p:cSld>
@@ -4676,4 +5309,299 @@
     </a:ext>
   </a:extLst>
 </a:theme>
+</file>
+
+<file path=ppt/theme/theme2.xml><?xml version="1.0" encoding="utf-8"?>
+<a:theme xmlns:a="http://schemas.openxmlformats.org/drawingml/2006/main" name="Office Theme">
+  <a:themeElements>
+    <a:clrScheme name="Office">
+      <a:dk1>
+        <a:sysClr val="windowText" lastClr="000000"/>
+      </a:dk1>
+      <a:lt1>
+        <a:sysClr val="window" lastClr="FFFFFF"/>
+      </a:lt1>
+      <a:dk2>
+        <a:srgbClr val="44546A"/>
+      </a:dk2>
+      <a:lt2>
+        <a:srgbClr val="E7E6E6"/>
+      </a:lt2>
+      <a:accent1>
+        <a:srgbClr val="4472C4"/>
+      </a:accent1>
+      <a:accent2>
+        <a:srgbClr val="ED7D31"/>
+      </a:accent2>
+      <a:accent3>
+        <a:srgbClr val="A5A5A5"/>
+      </a:accent3>
+      <a:accent4>
+        <a:srgbClr val="FFC000"/>
+      </a:accent4>
+      <a:accent5>
+        <a:srgbClr val="5B9BD5"/>
+      </a:accent5>
+      <a:accent6>
+        <a:srgbClr val="70AD47"/>
+      </a:accent6>
+      <a:hlink>
+        <a:srgbClr val="0563C1"/>
+      </a:hlink>
+      <a:folHlink>
+        <a:srgbClr val="954F72"/>
+      </a:folHlink>
+    </a:clrScheme>
+    <a:fontScheme name="Office">
+      <a:majorFont>
+        <a:latin typeface="Calibri Light" panose="020F0302020204030204"/>
+        <a:ea typeface=""/>
+        <a:cs typeface=""/>
+        <a:font script="Jpan" typeface="游ゴシック Light"/>
+        <a:font script="Hang" typeface="맑은 고딕"/>
+        <a:font script="Hans" typeface="等线 Light"/>
+        <a:font script="Hant" typeface="新細明體"/>
+        <a:font script="Arab" typeface="Times New Roman"/>
+        <a:font script="Hebr" typeface="Times New Roman"/>
+        <a:font script="Thai" typeface="Angsana New"/>
+        <a:font script="Ethi" typeface="Nyala"/>
+        <a:font script="Beng" typeface="Vrinda"/>
+        <a:font script="Gujr" typeface="Shruti"/>
+        <a:font script="Khmr" typeface="MoolBoran"/>
+        <a:font script="Knda" typeface="Tunga"/>
+        <a:font script="Guru" typeface="Raavi"/>
+        <a:font script="Cans" typeface="Euphemia"/>
+        <a:font script="Cher" typeface="Plantagenet Cherokee"/>
+        <a:font script="Yiii" typeface="Microsoft Yi Baiti"/>
+        <a:font script="Tibt" typeface="Microsoft Himalaya"/>
+        <a:font script="Thaa" typeface="MV Boli"/>
+        <a:font script="Deva" typeface="Mangal"/>
+        <a:font script="Telu" typeface="Gautami"/>
+        <a:font script="Taml" typeface="Latha"/>
+        <a:font script="Syrc" typeface="Estrangelo Edessa"/>
+        <a:font script="Orya" typeface="Kalinga"/>
+        <a:font script="Mlym" typeface="Kartika"/>
+        <a:font script="Laoo" typeface="DokChampa"/>
+        <a:font script="Sinh" typeface="Iskoola Pota"/>
+        <a:font script="Mong" typeface="Mongolian Baiti"/>
+        <a:font script="Viet" typeface="Times New Roman"/>
+        <a:font script="Uigh" typeface="Microsoft Uighur"/>
+        <a:font script="Geor" typeface="Sylfaen"/>
+        <a:font script="Armn" typeface="Arial"/>
+        <a:font script="Bugi" typeface="Leelawadee UI"/>
+        <a:font script="Bopo" typeface="Microsoft JhengHei"/>
+        <a:font script="Java" typeface="Javanese Text"/>
+        <a:font script="Lisu" typeface="Segoe UI"/>
+        <a:font script="Mymr" typeface="Myanmar Text"/>
+        <a:font script="Nkoo" typeface="Ebrima"/>
+        <a:font script="Olck" typeface="Nirmala UI"/>
+        <a:font script="Osma" typeface="Ebrima"/>
+        <a:font script="Phag" typeface="Phagspa"/>
+        <a:font script="Syrn" typeface="Estrangelo Edessa"/>
+        <a:font script="Syrj" typeface="Estrangelo Edessa"/>
+        <a:font script="Syre" typeface="Estrangelo Edessa"/>
+        <a:font script="Sora" typeface="Nirmala UI"/>
+        <a:font script="Tale" typeface="Microsoft Tai Le"/>
+        <a:font script="Talu" typeface="Microsoft New Tai Lue"/>
+        <a:font script="Tfng" typeface="Ebrima"/>
+      </a:majorFont>
+      <a:minorFont>
+        <a:latin typeface="Calibri" panose="020F0502020204030204"/>
+        <a:ea typeface=""/>
+        <a:cs typeface=""/>
+        <a:font script="Jpan" typeface="游ゴシック"/>
+        <a:font script="Hang" typeface="맑은 고딕"/>
+        <a:font script="Hans" typeface="等线"/>
+        <a:font script="Hant" typeface="新細明體"/>
+        <a:font script="Arab" typeface="Arial"/>
+        <a:font script="Hebr" typeface="Arial"/>
+        <a:font script="Thai" typeface="Cordia New"/>
+        <a:font script="Ethi" typeface="Nyala"/>
+        <a:font script="Beng" typeface="Vrinda"/>
+        <a:font script="Gujr" typeface="Shruti"/>
+        <a:font script="Khmr" typeface="DaunPenh"/>
+        <a:font script="Knda" typeface="Tunga"/>
+        <a:font script="Guru" typeface="Raavi"/>
+        <a:font script="Cans" typeface="Euphemia"/>
+        <a:font script="Cher" typeface="Plantagenet Cherokee"/>
+        <a:font script="Yiii" typeface="Microsoft Yi Baiti"/>
+        <a:font script="Tibt" typeface="Microsoft Himalaya"/>
+        <a:font script="Thaa" typeface="MV Boli"/>
+        <a:font script="Deva" typeface="Mangal"/>
+        <a:font script="Telu" typeface="Gautami"/>
+        <a:font script="Taml" typeface="Latha"/>
+        <a:font script="Syrc" typeface="Estrangelo Edessa"/>
+        <a:font script="Orya" typeface="Kalinga"/>
+        <a:font script="Mlym" typeface="Kartika"/>
+        <a:font script="Laoo" typeface="DokChampa"/>
+        <a:font script="Sinh" typeface="Iskoola Pota"/>
+        <a:font script="Mong" typeface="Mongolian Baiti"/>
+        <a:font script="Viet" typeface="Arial"/>
+        <a:font script="Uigh" typeface="Microsoft Uighur"/>
+        <a:font script="Geor" typeface="Sylfaen"/>
+        <a:font script="Armn" typeface="Arial"/>
+        <a:font script="Bugi" typeface="Leelawadee UI"/>
+        <a:font script="Bopo" typeface="Microsoft JhengHei"/>
+        <a:font script="Java" typeface="Javanese Text"/>
+        <a:font script="Lisu" typeface="Segoe UI"/>
+        <a:font script="Mymr" typeface="Myanmar Text"/>
+        <a:font script="Nkoo" typeface="Ebrima"/>
+        <a:font script="Olck" typeface="Nirmala UI"/>
+        <a:font script="Osma" typeface="Ebrima"/>
+        <a:font script="Phag" typeface="Phagspa"/>
+        <a:font script="Syrn" typeface="Estrangelo Edessa"/>
+        <a:font script="Syrj" typeface="Estrangelo Edessa"/>
+        <a:font script="Syre" typeface="Estrangelo Edessa"/>
+        <a:font script="Sora" typeface="Nirmala UI"/>
+        <a:font script="Tale" typeface="Microsoft Tai Le"/>
+        <a:font script="Talu" typeface="Microsoft New Tai Lue"/>
+        <a:font script="Tfng" typeface="Ebrima"/>
+      </a:minorFont>
+    </a:fontScheme>
+    <a:fmtScheme name="Office">
+      <a:fillStyleLst>
+        <a:solidFill>
+          <a:schemeClr val="phClr"/>
+        </a:solidFill>
+        <a:gradFill rotWithShape="1">
+          <a:gsLst>
+            <a:gs pos="0">
+              <a:schemeClr val="phClr">
+                <a:lumMod val="110000"/>
+                <a:satMod val="105000"/>
+                <a:tint val="67000"/>
+              </a:schemeClr>
+            </a:gs>
+            <a:gs pos="50000">
+              <a:schemeClr val="phClr">
+                <a:lumMod val="105000"/>
+                <a:satMod val="103000"/>
+                <a:tint val="73000"/>
+              </a:schemeClr>
+            </a:gs>
+            <a:gs pos="100000">
+              <a:schemeClr val="phClr">
+                <a:lumMod val="105000"/>
+                <a:satMod val="109000"/>
+                <a:tint val="81000"/>
+              </a:schemeClr>
+            </a:gs>
+          </a:gsLst>
+          <a:lin ang="5400000" scaled="0"/>
+        </a:gradFill>
+        <a:gradFill rotWithShape="1">
+          <a:gsLst>
+            <a:gs pos="0">
+              <a:schemeClr val="phClr">
+                <a:satMod val="103000"/>
+                <a:lumMod val="102000"/>
+                <a:tint val="94000"/>
+              </a:schemeClr>
+            </a:gs>
+            <a:gs pos="50000">
+              <a:schemeClr val="phClr">
+                <a:satMod val="110000"/>
+                <a:lumMod val="100000"/>
+                <a:shade val="100000"/>
+              </a:schemeClr>
+            </a:gs>
+            <a:gs pos="100000">
+              <a:schemeClr val="phClr">
+                <a:lumMod val="99000"/>
+                <a:satMod val="120000"/>
+                <a:shade val="78000"/>
+              </a:schemeClr>
+            </a:gs>
+          </a:gsLst>
+          <a:lin ang="5400000" scaled="0"/>
+        </a:gradFill>
+      </a:fillStyleLst>
+      <a:lnStyleLst>
+        <a:ln w="6350" cap="flat" cmpd="sng" algn="ctr">
+          <a:solidFill>
+            <a:schemeClr val="phClr"/>
+          </a:solidFill>
+          <a:prstDash val="solid"/>
+          <a:miter lim="800000"/>
+        </a:ln>
+        <a:ln w="12700" cap="flat" cmpd="sng" algn="ctr">
+          <a:solidFill>
+            <a:schemeClr val="phClr"/>
+          </a:solidFill>
+          <a:prstDash val="solid"/>
+          <a:miter lim="800000"/>
+        </a:ln>
+        <a:ln w="19050" cap="flat" cmpd="sng" algn="ctr">
+          <a:solidFill>
+            <a:schemeClr val="phClr"/>
+          </a:solidFill>
+          <a:prstDash val="solid"/>
+          <a:miter lim="800000"/>
+        </a:ln>
+      </a:lnStyleLst>
+      <a:effectStyleLst>
+        <a:effectStyle>
+          <a:effectLst/>
+        </a:effectStyle>
+        <a:effectStyle>
+          <a:effectLst/>
+        </a:effectStyle>
+        <a:effectStyle>
+          <a:effectLst>
+            <a:outerShdw blurRad="57150" dist="19050" dir="5400000" algn="ctr" rotWithShape="0">
+              <a:srgbClr val="000000">
+                <a:alpha val="63000"/>
+              </a:srgbClr>
+            </a:outerShdw>
+          </a:effectLst>
+        </a:effectStyle>
+      </a:effectStyleLst>
+      <a:bgFillStyleLst>
+        <a:solidFill>
+          <a:schemeClr val="phClr"/>
+        </a:solidFill>
+        <a:solidFill>
+          <a:schemeClr val="phClr">
+            <a:tint val="95000"/>
+            <a:satMod val="170000"/>
+          </a:schemeClr>
+        </a:solidFill>
+        <a:gradFill rotWithShape="1">
+          <a:gsLst>
+            <a:gs pos="0">
+              <a:schemeClr val="phClr">
+                <a:tint val="93000"/>
+                <a:satMod val="150000"/>
+                <a:shade val="98000"/>
+                <a:lumMod val="102000"/>
+              </a:schemeClr>
+            </a:gs>
+            <a:gs pos="50000">
+              <a:schemeClr val="phClr">
+                <a:tint val="98000"/>
+                <a:satMod val="130000"/>
+                <a:shade val="90000"/>
+                <a:lumMod val="103000"/>
+              </a:schemeClr>
+            </a:gs>
+            <a:gs pos="100000">
+              <a:schemeClr val="phClr">
+                <a:shade val="63000"/>
+                <a:satMod val="120000"/>
+              </a:schemeClr>
+            </a:gs>
+          </a:gsLst>
+          <a:lin ang="5400000" scaled="0"/>
+        </a:gradFill>
+      </a:bgFillStyleLst>
+    </a:fmtScheme>
+  </a:themeElements>
+  <a:objectDefaults/>
+  <a:extraClrSchemeLst/>
+  <a:extLst>
+    <a:ext uri="{05A4C25C-085E-4340-85A3-A5531E510DB2}">
+      <thm15:themeFamily xmlns:thm15="http://schemas.microsoft.com/office/thememl/2012/main" name="Office Theme" id="{62F939B6-93AF-4DB8-9C6B-D6C7DFDC589F}" vid="{4A3C46E8-61CC-4603-A589-7422A47A8E4A}"/>
+    </a:ext>
+  </a:extLst>
+</a:theme>
 </file>
--- a/ECSE/Workshop-2/workshop2.pptx
+++ b/ECSE/Workshop-2/workshop2.pptx
@@ -205,7 +205,7 @@
           <a:p>
             <a:fld id="{8DB13AE3-9BCE-4559-A516-E357DB42AEF7}" type="datetimeFigureOut">
               <a:rPr lang="en-CA" smtClean="0"/>
-              <a:t>2020-01-19</a:t>
+              <a:t>2020-01-22</a:t>
             </a:fld>
             <a:endParaRPr lang="en-CA"/>
           </a:p>
@@ -706,7 +706,7 @@
           <a:p>
             <a:fld id="{CB4ED598-43EB-408A-9236-B45AB4DAC6D0}" type="datetimeFigureOut">
               <a:rPr lang="en-CA" smtClean="0"/>
-              <a:t>2020-01-19</a:t>
+              <a:t>2020-01-22</a:t>
             </a:fld>
             <a:endParaRPr lang="en-CA"/>
           </a:p>
@@ -906,7 +906,7 @@
           <a:p>
             <a:fld id="{CB4ED598-43EB-408A-9236-B45AB4DAC6D0}" type="datetimeFigureOut">
               <a:rPr lang="en-CA" smtClean="0"/>
-              <a:t>2020-01-19</a:t>
+              <a:t>2020-01-22</a:t>
             </a:fld>
             <a:endParaRPr lang="en-CA"/>
           </a:p>
@@ -1116,7 +1116,7 @@
           <a:p>
             <a:fld id="{CB4ED598-43EB-408A-9236-B45AB4DAC6D0}" type="datetimeFigureOut">
               <a:rPr lang="en-CA" smtClean="0"/>
-              <a:t>2020-01-19</a:t>
+              <a:t>2020-01-22</a:t>
             </a:fld>
             <a:endParaRPr lang="en-CA"/>
           </a:p>
@@ -1316,7 +1316,7 @@
           <a:p>
             <a:fld id="{CB4ED598-43EB-408A-9236-B45AB4DAC6D0}" type="datetimeFigureOut">
               <a:rPr lang="en-CA" smtClean="0"/>
-              <a:t>2020-01-19</a:t>
+              <a:t>2020-01-22</a:t>
             </a:fld>
             <a:endParaRPr lang="en-CA"/>
           </a:p>
@@ -1592,7 +1592,7 @@
           <a:p>
             <a:fld id="{CB4ED598-43EB-408A-9236-B45AB4DAC6D0}" type="datetimeFigureOut">
               <a:rPr lang="en-CA" smtClean="0"/>
-              <a:t>2020-01-19</a:t>
+              <a:t>2020-01-22</a:t>
             </a:fld>
             <a:endParaRPr lang="en-CA"/>
           </a:p>
@@ -1860,7 +1860,7 @@
           <a:p>
             <a:fld id="{CB4ED598-43EB-408A-9236-B45AB4DAC6D0}" type="datetimeFigureOut">
               <a:rPr lang="en-CA" smtClean="0"/>
-              <a:t>2020-01-19</a:t>
+              <a:t>2020-01-22</a:t>
             </a:fld>
             <a:endParaRPr lang="en-CA"/>
           </a:p>
@@ -2275,7 +2275,7 @@
           <a:p>
             <a:fld id="{CB4ED598-43EB-408A-9236-B45AB4DAC6D0}" type="datetimeFigureOut">
               <a:rPr lang="en-CA" smtClean="0"/>
-              <a:t>2020-01-19</a:t>
+              <a:t>2020-01-22</a:t>
             </a:fld>
             <a:endParaRPr lang="en-CA"/>
           </a:p>
@@ -2417,7 +2417,7 @@
           <a:p>
             <a:fld id="{CB4ED598-43EB-408A-9236-B45AB4DAC6D0}" type="datetimeFigureOut">
               <a:rPr lang="en-CA" smtClean="0"/>
-              <a:t>2020-01-19</a:t>
+              <a:t>2020-01-22</a:t>
             </a:fld>
             <a:endParaRPr lang="en-CA"/>
           </a:p>
@@ -2530,7 +2530,7 @@
           <a:p>
             <a:fld id="{CB4ED598-43EB-408A-9236-B45AB4DAC6D0}" type="datetimeFigureOut">
               <a:rPr lang="en-CA" smtClean="0"/>
-              <a:t>2020-01-19</a:t>
+              <a:t>2020-01-22</a:t>
             </a:fld>
             <a:endParaRPr lang="en-CA"/>
           </a:p>
@@ -2843,7 +2843,7 @@
           <a:p>
             <a:fld id="{CB4ED598-43EB-408A-9236-B45AB4DAC6D0}" type="datetimeFigureOut">
               <a:rPr lang="en-CA" smtClean="0"/>
-              <a:t>2020-01-19</a:t>
+              <a:t>2020-01-22</a:t>
             </a:fld>
             <a:endParaRPr lang="en-CA"/>
           </a:p>
@@ -3132,7 +3132,7 @@
           <a:p>
             <a:fld id="{CB4ED598-43EB-408A-9236-B45AB4DAC6D0}" type="datetimeFigureOut">
               <a:rPr lang="en-CA" smtClean="0"/>
-              <a:t>2020-01-19</a:t>
+              <a:t>2020-01-22</a:t>
             </a:fld>
             <a:endParaRPr lang="en-CA"/>
           </a:p>
@@ -3375,7 +3375,7 @@
           <a:p>
             <a:fld id="{CB4ED598-43EB-408A-9236-B45AB4DAC6D0}" type="datetimeFigureOut">
               <a:rPr lang="en-CA" smtClean="0"/>
-              <a:t>2020-01-19</a:t>
+              <a:t>2020-01-22</a:t>
             </a:fld>
             <a:endParaRPr lang="en-CA"/>
           </a:p>
@@ -4375,11 +4375,47 @@
           <a:p>
             <a:r>
               <a:rPr lang="en-CA" dirty="0"/>
-              <a:t>Microprocessor. Has programmable pins that allow you to read data from sensors and send data to other </a:t>
-            </a:r>
-          </a:p>
-        </p:txBody>
-      </p:sp>
+              <a:t>Microcontroller. Has programmable pins that allow you to read and transmit data</a:t>
+            </a:r>
+          </a:p>
+        </p:txBody>
+      </p:sp>
+      <p:pic>
+        <p:nvPicPr>
+          <p:cNvPr id="7" name="Picture 6" descr="A circuit board&#10;&#10;Description automatically generated">
+            <a:extLst>
+              <a:ext uri="{FF2B5EF4-FFF2-40B4-BE49-F238E27FC236}">
+                <a16:creationId xmlns:a16="http://schemas.microsoft.com/office/drawing/2014/main" id="{74DE7B85-4B46-4A87-8C3B-A42678D261EF}"/>
+              </a:ext>
+            </a:extLst>
+          </p:cNvPr>
+          <p:cNvPicPr>
+            <a:picLocks noChangeAspect="1"/>
+          </p:cNvPicPr>
+          <p:nvPr/>
+        </p:nvPicPr>
+        <p:blipFill>
+          <a:blip r:embed="rId2">
+            <a:extLst>
+              <a:ext uri="{28A0092B-C50C-407E-A947-70E740481C1C}">
+                <a14:useLocalDpi xmlns:a14="http://schemas.microsoft.com/office/drawing/2010/main" val="0"/>
+              </a:ext>
+            </a:extLst>
+          </a:blip>
+          <a:stretch>
+            <a:fillRect/>
+          </a:stretch>
+        </p:blipFill>
+        <p:spPr>
+          <a:xfrm>
+            <a:off x="838200" y="2611813"/>
+            <a:ext cx="9734550" cy="4075531"/>
+          </a:xfrm>
+          <a:prstGeom prst="rect">
+            <a:avLst/>
+          </a:prstGeom>
+        </p:spPr>
+      </p:pic>
     </p:spTree>
     <p:extLst>
       <p:ext uri="{BB962C8B-B14F-4D97-AF65-F5344CB8AC3E}">
@@ -4497,7 +4533,7 @@
           <a:p>
             <a:r>
               <a:rPr lang="en-CA" dirty="0"/>
-              <a:t>Need to set a pin to be either an OUTPUT or INPUT in the setup()</a:t>
+              <a:t>Need to set a pin to be an OUTPUT, INPUT, or  INPUT_PULLUP in the setup()</a:t>
             </a:r>
           </a:p>
           <a:p>

--- a/ECSE/Workshop-2/workshop2.pptx
+++ b/ECSE/Workshop-2/workshop2.pptx
@@ -5,7 +5,7 @@
     <p:sldMasterId id="2147483648" r:id="rId1"/>
   </p:sldMasterIdLst>
   <p:notesMasterIdLst>
-    <p:notesMasterId r:id="rId11"/>
+    <p:notesMasterId r:id="rId16"/>
   </p:notesMasterIdLst>
   <p:sldIdLst>
     <p:sldId id="256" r:id="rId2"/>
@@ -17,6 +17,11 @@
     <p:sldId id="266" r:id="rId8"/>
     <p:sldId id="267" r:id="rId9"/>
     <p:sldId id="268" r:id="rId10"/>
+    <p:sldId id="269" r:id="rId11"/>
+    <p:sldId id="270" r:id="rId12"/>
+    <p:sldId id="271" r:id="rId13"/>
+    <p:sldId id="272" r:id="rId14"/>
+    <p:sldId id="273" r:id="rId15"/>
   </p:sldIdLst>
   <p:sldSz cx="12192000" cy="6858000"/>
   <p:notesSz cx="6858000" cy="9144000"/>
@@ -3884,6 +3889,388 @@
 </p:sld>
 </file>
 
+<file path=ppt/slides/slide10.xml><?xml version="1.0" encoding="utf-8"?>
+<p:sld xmlns:a="http://schemas.openxmlformats.org/drawingml/2006/main" xmlns:r="http://schemas.openxmlformats.org/officeDocument/2006/relationships" xmlns:p="http://schemas.openxmlformats.org/presentationml/2006/main">
+  <p:cSld>
+    <p:spTree>
+      <p:nvGrpSpPr>
+        <p:cNvPr id="1" name=""/>
+        <p:cNvGrpSpPr/>
+        <p:nvPr/>
+      </p:nvGrpSpPr>
+      <p:grpSpPr>
+        <a:xfrm>
+          <a:off x="0" y="0"/>
+          <a:ext cx="0" cy="0"/>
+          <a:chOff x="0" y="0"/>
+          <a:chExt cx="0" cy="0"/>
+        </a:xfrm>
+      </p:grpSpPr>
+      <p:sp>
+        <p:nvSpPr>
+          <p:cNvPr id="2" name="Title 1">
+            <a:extLst>
+              <a:ext uri="{FF2B5EF4-FFF2-40B4-BE49-F238E27FC236}">
+                <a16:creationId xmlns:a16="http://schemas.microsoft.com/office/drawing/2014/main" id="{CA9E99D0-377B-45FE-9921-BBD79C79467D}"/>
+              </a:ext>
+            </a:extLst>
+          </p:cNvPr>
+          <p:cNvSpPr>
+            <a:spLocks noGrp="1"/>
+          </p:cNvSpPr>
+          <p:nvPr>
+            <p:ph type="title"/>
+          </p:nvPr>
+        </p:nvSpPr>
+        <p:spPr/>
+        <p:txBody>
+          <a:bodyPr/>
+          <a:lstStyle/>
+          <a:p>
+            <a:r>
+              <a:rPr lang="en-CA" dirty="0"/>
+              <a:t>Compiling code for the Arduino Nano</a:t>
+            </a:r>
+          </a:p>
+        </p:txBody>
+      </p:sp>
+      <p:sp>
+        <p:nvSpPr>
+          <p:cNvPr id="6" name="Content Placeholder 5">
+            <a:extLst>
+              <a:ext uri="{FF2B5EF4-FFF2-40B4-BE49-F238E27FC236}">
+                <a16:creationId xmlns:a16="http://schemas.microsoft.com/office/drawing/2014/main" id="{972C5A12-6D26-483A-9577-5EC9DF0E0B45}"/>
+              </a:ext>
+            </a:extLst>
+          </p:cNvPr>
+          <p:cNvSpPr>
+            <a:spLocks noGrp="1"/>
+          </p:cNvSpPr>
+          <p:nvPr>
+            <p:ph idx="1"/>
+          </p:nvPr>
+        </p:nvSpPr>
+        <p:spPr/>
+        <p:txBody>
+          <a:bodyPr>
+            <a:normAutofit lnSpcReduction="10000"/>
+          </a:bodyPr>
+          <a:lstStyle/>
+          <a:p>
+            <a:r>
+              <a:rPr lang="en-US" dirty="0"/>
+              <a:t>Go to Tools &gt; Board</a:t>
+            </a:r>
+          </a:p>
+          <a:p>
+            <a:pPr lvl="1"/>
+            <a:r>
+              <a:rPr lang="en-US" dirty="0"/>
+              <a:t>Select Arduino Nano</a:t>
+            </a:r>
+          </a:p>
+          <a:p>
+            <a:pPr lvl="1"/>
+            <a:endParaRPr lang="en-US" dirty="0"/>
+          </a:p>
+          <a:p>
+            <a:r>
+              <a:rPr lang="en-US" dirty="0"/>
+              <a:t>Go to Tools &gt; Processor</a:t>
+            </a:r>
+          </a:p>
+          <a:p>
+            <a:pPr lvl="1"/>
+            <a:r>
+              <a:rPr lang="en-US" dirty="0"/>
+              <a:t>Select Atmega328P (Old Bootloader)</a:t>
+            </a:r>
+          </a:p>
+          <a:p>
+            <a:endParaRPr lang="en-US" dirty="0"/>
+          </a:p>
+          <a:p>
+            <a:r>
+              <a:rPr lang="en-US" dirty="0"/>
+              <a:t>Go to Tools &gt; Port</a:t>
+            </a:r>
+          </a:p>
+          <a:p>
+            <a:pPr lvl="1"/>
+            <a:r>
+              <a:rPr lang="en-US" dirty="0"/>
+              <a:t>Select the port on which your Arduino is connected</a:t>
+            </a:r>
+          </a:p>
+          <a:p>
+            <a:pPr lvl="1"/>
+            <a:endParaRPr lang="en-US" dirty="0"/>
+          </a:p>
+          <a:p>
+            <a:r>
+              <a:rPr lang="en-US" dirty="0"/>
+              <a:t>Compile the sketch and it will upload to your Arduino</a:t>
+            </a:r>
+          </a:p>
+          <a:p>
+            <a:pPr lvl="1"/>
+            <a:endParaRPr lang="en-CA" dirty="0"/>
+          </a:p>
+        </p:txBody>
+      </p:sp>
+    </p:spTree>
+    <p:extLst>
+      <p:ext uri="{BB962C8B-B14F-4D97-AF65-F5344CB8AC3E}">
+        <p14:creationId xmlns:p14="http://schemas.microsoft.com/office/powerpoint/2010/main" val="1656028821"/>
+      </p:ext>
+    </p:extLst>
+  </p:cSld>
+  <p:clrMapOvr>
+    <a:masterClrMapping/>
+  </p:clrMapOvr>
+</p:sld>
+</file>
+
+<file path=ppt/slides/slide11.xml><?xml version="1.0" encoding="utf-8"?>
+<p:sld xmlns:a="http://schemas.openxmlformats.org/drawingml/2006/main" xmlns:r="http://schemas.openxmlformats.org/officeDocument/2006/relationships" xmlns:p="http://schemas.openxmlformats.org/presentationml/2006/main">
+  <p:cSld>
+    <p:spTree>
+      <p:nvGrpSpPr>
+        <p:cNvPr id="1" name=""/>
+        <p:cNvGrpSpPr/>
+        <p:nvPr/>
+      </p:nvGrpSpPr>
+      <p:grpSpPr>
+        <a:xfrm>
+          <a:off x="0" y="0"/>
+          <a:ext cx="0" cy="0"/>
+          <a:chOff x="0" y="0"/>
+          <a:chExt cx="0" cy="0"/>
+        </a:xfrm>
+      </p:grpSpPr>
+      <p:pic>
+        <p:nvPicPr>
+          <p:cNvPr id="4" name="Picture 3">
+            <a:extLst>
+              <a:ext uri="{FF2B5EF4-FFF2-40B4-BE49-F238E27FC236}">
+                <a16:creationId xmlns:a16="http://schemas.microsoft.com/office/drawing/2014/main" id="{3FB61CA1-9E09-406E-A637-4D99184B97D4}"/>
+              </a:ext>
+            </a:extLst>
+          </p:cNvPr>
+          <p:cNvPicPr>
+            <a:picLocks noChangeAspect="1"/>
+          </p:cNvPicPr>
+          <p:nvPr/>
+        </p:nvPicPr>
+        <p:blipFill>
+          <a:blip r:embed="rId2"/>
+          <a:stretch>
+            <a:fillRect/>
+          </a:stretch>
+        </p:blipFill>
+        <p:spPr>
+          <a:xfrm>
+            <a:off x="0" y="1673"/>
+            <a:ext cx="12192000" cy="6854653"/>
+          </a:xfrm>
+          <a:prstGeom prst="rect">
+            <a:avLst/>
+          </a:prstGeom>
+        </p:spPr>
+      </p:pic>
+    </p:spTree>
+    <p:extLst>
+      <p:ext uri="{BB962C8B-B14F-4D97-AF65-F5344CB8AC3E}">
+        <p14:creationId xmlns:p14="http://schemas.microsoft.com/office/powerpoint/2010/main" val="2545183306"/>
+      </p:ext>
+    </p:extLst>
+  </p:cSld>
+  <p:clrMapOvr>
+    <a:masterClrMapping/>
+  </p:clrMapOvr>
+</p:sld>
+</file>
+
+<file path=ppt/slides/slide12.xml><?xml version="1.0" encoding="utf-8"?>
+<p:sld xmlns:a="http://schemas.openxmlformats.org/drawingml/2006/main" xmlns:r="http://schemas.openxmlformats.org/officeDocument/2006/relationships" xmlns:p="http://schemas.openxmlformats.org/presentationml/2006/main">
+  <p:cSld>
+    <p:spTree>
+      <p:nvGrpSpPr>
+        <p:cNvPr id="1" name=""/>
+        <p:cNvGrpSpPr/>
+        <p:nvPr/>
+      </p:nvGrpSpPr>
+      <p:grpSpPr>
+        <a:xfrm>
+          <a:off x="0" y="0"/>
+          <a:ext cx="0" cy="0"/>
+          <a:chOff x="0" y="0"/>
+          <a:chExt cx="0" cy="0"/>
+        </a:xfrm>
+      </p:grpSpPr>
+      <p:pic>
+        <p:nvPicPr>
+          <p:cNvPr id="2" name="Picture 1">
+            <a:extLst>
+              <a:ext uri="{FF2B5EF4-FFF2-40B4-BE49-F238E27FC236}">
+                <a16:creationId xmlns:a16="http://schemas.microsoft.com/office/drawing/2014/main" id="{54271A54-DCEF-4159-901C-FC3B40C95FC7}"/>
+              </a:ext>
+            </a:extLst>
+          </p:cNvPr>
+          <p:cNvPicPr>
+            <a:picLocks noChangeAspect="1"/>
+          </p:cNvPicPr>
+          <p:nvPr/>
+        </p:nvPicPr>
+        <p:blipFill>
+          <a:blip r:embed="rId2"/>
+          <a:stretch>
+            <a:fillRect/>
+          </a:stretch>
+        </p:blipFill>
+        <p:spPr>
+          <a:xfrm>
+            <a:off x="0" y="1673"/>
+            <a:ext cx="12192000" cy="6854653"/>
+          </a:xfrm>
+          <a:prstGeom prst="rect">
+            <a:avLst/>
+          </a:prstGeom>
+        </p:spPr>
+      </p:pic>
+    </p:spTree>
+    <p:extLst>
+      <p:ext uri="{BB962C8B-B14F-4D97-AF65-F5344CB8AC3E}">
+        <p14:creationId xmlns:p14="http://schemas.microsoft.com/office/powerpoint/2010/main" val="3260015308"/>
+      </p:ext>
+    </p:extLst>
+  </p:cSld>
+  <p:clrMapOvr>
+    <a:masterClrMapping/>
+  </p:clrMapOvr>
+</p:sld>
+</file>
+
+<file path=ppt/slides/slide13.xml><?xml version="1.0" encoding="utf-8"?>
+<p:sld xmlns:a="http://schemas.openxmlformats.org/drawingml/2006/main" xmlns:r="http://schemas.openxmlformats.org/officeDocument/2006/relationships" xmlns:p="http://schemas.openxmlformats.org/presentationml/2006/main">
+  <p:cSld>
+    <p:spTree>
+      <p:nvGrpSpPr>
+        <p:cNvPr id="1" name=""/>
+        <p:cNvGrpSpPr/>
+        <p:nvPr/>
+      </p:nvGrpSpPr>
+      <p:grpSpPr>
+        <a:xfrm>
+          <a:off x="0" y="0"/>
+          <a:ext cx="0" cy="0"/>
+          <a:chOff x="0" y="0"/>
+          <a:chExt cx="0" cy="0"/>
+        </a:xfrm>
+      </p:grpSpPr>
+      <p:pic>
+        <p:nvPicPr>
+          <p:cNvPr id="2" name="Picture 1">
+            <a:extLst>
+              <a:ext uri="{FF2B5EF4-FFF2-40B4-BE49-F238E27FC236}">
+                <a16:creationId xmlns:a16="http://schemas.microsoft.com/office/drawing/2014/main" id="{F3AF9CC3-2165-4FE0-AFFF-6E4CA41183E8}"/>
+              </a:ext>
+            </a:extLst>
+          </p:cNvPr>
+          <p:cNvPicPr>
+            <a:picLocks noChangeAspect="1"/>
+          </p:cNvPicPr>
+          <p:nvPr/>
+        </p:nvPicPr>
+        <p:blipFill>
+          <a:blip r:embed="rId2"/>
+          <a:stretch>
+            <a:fillRect/>
+          </a:stretch>
+        </p:blipFill>
+        <p:spPr>
+          <a:xfrm>
+            <a:off x="0" y="1673"/>
+            <a:ext cx="12192000" cy="6854653"/>
+          </a:xfrm>
+          <a:prstGeom prst="rect">
+            <a:avLst/>
+          </a:prstGeom>
+        </p:spPr>
+      </p:pic>
+    </p:spTree>
+    <p:extLst>
+      <p:ext uri="{BB962C8B-B14F-4D97-AF65-F5344CB8AC3E}">
+        <p14:creationId xmlns:p14="http://schemas.microsoft.com/office/powerpoint/2010/main" val="659549312"/>
+      </p:ext>
+    </p:extLst>
+  </p:cSld>
+  <p:clrMapOvr>
+    <a:masterClrMapping/>
+  </p:clrMapOvr>
+</p:sld>
+</file>
+
+<file path=ppt/slides/slide14.xml><?xml version="1.0" encoding="utf-8"?>
+<p:sld xmlns:a="http://schemas.openxmlformats.org/drawingml/2006/main" xmlns:r="http://schemas.openxmlformats.org/officeDocument/2006/relationships" xmlns:p="http://schemas.openxmlformats.org/presentationml/2006/main">
+  <p:cSld>
+    <p:spTree>
+      <p:nvGrpSpPr>
+        <p:cNvPr id="1" name=""/>
+        <p:cNvGrpSpPr/>
+        <p:nvPr/>
+      </p:nvGrpSpPr>
+      <p:grpSpPr>
+        <a:xfrm>
+          <a:off x="0" y="0"/>
+          <a:ext cx="0" cy="0"/>
+          <a:chOff x="0" y="0"/>
+          <a:chExt cx="0" cy="0"/>
+        </a:xfrm>
+      </p:grpSpPr>
+      <p:pic>
+        <p:nvPicPr>
+          <p:cNvPr id="3" name="Picture 2">
+            <a:extLst>
+              <a:ext uri="{FF2B5EF4-FFF2-40B4-BE49-F238E27FC236}">
+                <a16:creationId xmlns:a16="http://schemas.microsoft.com/office/drawing/2014/main" id="{A53B0551-8D51-429D-956C-DAAE55EBCBAD}"/>
+              </a:ext>
+            </a:extLst>
+          </p:cNvPr>
+          <p:cNvPicPr>
+            <a:picLocks noChangeAspect="1"/>
+          </p:cNvPicPr>
+          <p:nvPr/>
+        </p:nvPicPr>
+        <p:blipFill>
+          <a:blip r:embed="rId2"/>
+          <a:stretch>
+            <a:fillRect/>
+          </a:stretch>
+        </p:blipFill>
+        <p:spPr>
+          <a:xfrm>
+            <a:off x="0" y="1673"/>
+            <a:ext cx="12192000" cy="6854653"/>
+          </a:xfrm>
+          <a:prstGeom prst="rect">
+            <a:avLst/>
+          </a:prstGeom>
+        </p:spPr>
+      </p:pic>
+    </p:spTree>
+    <p:extLst>
+      <p:ext uri="{BB962C8B-B14F-4D97-AF65-F5344CB8AC3E}">
+        <p14:creationId xmlns:p14="http://schemas.microsoft.com/office/powerpoint/2010/main" val="3277692844"/>
+      </p:ext>
+    </p:extLst>
+  </p:cSld>
+  <p:clrMapOvr>
+    <a:masterClrMapping/>
+  </p:clrMapOvr>
+</p:sld>
+</file>
+
 <file path=ppt/slides/slide2.xml><?xml version="1.0" encoding="utf-8"?>
 <p:sld xmlns:a="http://schemas.openxmlformats.org/drawingml/2006/main" xmlns:r="http://schemas.openxmlformats.org/officeDocument/2006/relationships" xmlns:p="http://schemas.openxmlformats.org/presentationml/2006/main">
   <p:cSld>
@@ -4261,35 +4648,21 @@
           <a:p>
             <a:r>
               <a:rPr lang="en-CA" dirty="0"/>
-              <a:t>Teach what an Arduino is </a:t>
+              <a:t>background information</a:t>
             </a:r>
           </a:p>
           <a:p>
             <a:pPr lvl="1"/>
             <a:r>
               <a:rPr lang="en-CA" dirty="0"/>
-              <a:t>background information</a:t>
-            </a:r>
-          </a:p>
-          <a:p>
-            <a:pPr lvl="2"/>
+              <a:t>what is it?</a:t>
+            </a:r>
+          </a:p>
+          <a:p>
+            <a:pPr lvl="1"/>
             <a:r>
               <a:rPr lang="en-CA" dirty="0"/>
-              <a:t>how does it work</a:t>
-            </a:r>
-          </a:p>
-          <a:p>
-            <a:pPr lvl="2"/>
-            <a:r>
-              <a:rPr lang="en-CA" dirty="0"/>
-              <a:t>what is it</a:t>
-            </a:r>
-          </a:p>
-          <a:p>
-            <a:pPr lvl="2"/>
-            <a:r>
-              <a:rPr lang="en-CA" dirty="0"/>
-              <a:t>does it taste good</a:t>
+              <a:t>What can you do with it?</a:t>
             </a:r>
           </a:p>
         </p:txBody>
@@ -4704,7 +5077,7 @@
             </a:r>
           </a:p>
           <a:p>
-            <a:pPr lvl="1"/>
+            <a:pPr lvl="2"/>
             <a:r>
               <a:rPr lang="en-CA" dirty="0"/>
               <a:t>value either LOW or HIGH (0 or 1)</a:t>
@@ -4732,7 +5105,7 @@
             </a:r>
             <a:r>
               <a:rPr lang="en-CA" dirty="0"/>
-              <a:t>(pin#) return the state of the pin</a:t>
+              <a:t>(pin#) returns the state of the pin</a:t>
             </a:r>
           </a:p>
           <a:p>
@@ -4876,7 +5249,7 @@
           <a:p>
             <a:r>
               <a:rPr lang="en-CA" dirty="0"/>
-              <a:t>Output pins</a:t>
+              <a:t>Output pins:</a:t>
             </a:r>
           </a:p>
         </p:txBody>

--- a/ECSE/Workshop-2/workshop2.pptx
+++ b/ECSE/Workshop-2/workshop2.pptx
@@ -210,7 +210,7 @@
           <a:p>
             <a:fld id="{8DB13AE3-9BCE-4559-A516-E357DB42AEF7}" type="datetimeFigureOut">
               <a:rPr lang="en-CA" smtClean="0"/>
-              <a:t>2020-01-22</a:t>
+              <a:t>2020-01-26</a:t>
             </a:fld>
             <a:endParaRPr lang="en-CA"/>
           </a:p>
@@ -711,7 +711,7 @@
           <a:p>
             <a:fld id="{CB4ED598-43EB-408A-9236-B45AB4DAC6D0}" type="datetimeFigureOut">
               <a:rPr lang="en-CA" smtClean="0"/>
-              <a:t>2020-01-22</a:t>
+              <a:t>2020-01-26</a:t>
             </a:fld>
             <a:endParaRPr lang="en-CA"/>
           </a:p>
@@ -911,7 +911,7 @@
           <a:p>
             <a:fld id="{CB4ED598-43EB-408A-9236-B45AB4DAC6D0}" type="datetimeFigureOut">
               <a:rPr lang="en-CA" smtClean="0"/>
-              <a:t>2020-01-22</a:t>
+              <a:t>2020-01-26</a:t>
             </a:fld>
             <a:endParaRPr lang="en-CA"/>
           </a:p>
@@ -1121,7 +1121,7 @@
           <a:p>
             <a:fld id="{CB4ED598-43EB-408A-9236-B45AB4DAC6D0}" type="datetimeFigureOut">
               <a:rPr lang="en-CA" smtClean="0"/>
-              <a:t>2020-01-22</a:t>
+              <a:t>2020-01-26</a:t>
             </a:fld>
             <a:endParaRPr lang="en-CA"/>
           </a:p>
@@ -1211,6 +1211,114 @@
           <a:chExt cx="0" cy="0"/>
         </a:xfrm>
       </p:grpSpPr>
+      <p:grpSp>
+        <p:nvGrpSpPr>
+          <p:cNvPr id="7" name="Group 6">
+            <a:extLst>
+              <a:ext uri="{FF2B5EF4-FFF2-40B4-BE49-F238E27FC236}">
+                <a16:creationId xmlns:a16="http://schemas.microsoft.com/office/drawing/2014/main" id="{F022A397-914F-464E-A761-C3CFCADBAB4E}"/>
+              </a:ext>
+            </a:extLst>
+          </p:cNvPr>
+          <p:cNvGrpSpPr/>
+          <p:nvPr userDrawn="1"/>
+        </p:nvGrpSpPr>
+        <p:grpSpPr>
+          <a:xfrm>
+            <a:off x="0" y="325937"/>
+            <a:ext cx="8406063" cy="1480905"/>
+            <a:chOff x="0" y="352062"/>
+            <a:chExt cx="8406063" cy="1480905"/>
+          </a:xfrm>
+        </p:grpSpPr>
+        <p:pic>
+          <p:nvPicPr>
+            <p:cNvPr id="8" name="Google Shape;66;p2" descr="A close up of a logo&#10;&#10;Description automatically generated">
+              <a:extLst>
+                <a:ext uri="{FF2B5EF4-FFF2-40B4-BE49-F238E27FC236}">
+                  <a16:creationId xmlns:a16="http://schemas.microsoft.com/office/drawing/2014/main" id="{5EC132DE-BF29-4F38-89B0-D2A0E8F48146}"/>
+                </a:ext>
+              </a:extLst>
+            </p:cNvPr>
+            <p:cNvPicPr preferRelativeResize="0"/>
+            <p:nvPr userDrawn="1"/>
+          </p:nvPicPr>
+          <p:blipFill rotWithShape="1">
+            <a:blip r:embed="rId2">
+              <a:alphaModFix/>
+            </a:blip>
+            <a:srcRect/>
+            <a:stretch/>
+          </p:blipFill>
+          <p:spPr>
+            <a:xfrm>
+              <a:off x="0" y="352062"/>
+              <a:ext cx="8406063" cy="1480905"/>
+            </a:xfrm>
+            <a:prstGeom prst="rect">
+              <a:avLst/>
+            </a:prstGeom>
+            <a:solidFill>
+              <a:srgbClr val="FFFFFF"/>
+            </a:solidFill>
+            <a:ln>
+              <a:noFill/>
+            </a:ln>
+          </p:spPr>
+        </p:pic>
+        <p:sp>
+          <p:nvSpPr>
+            <p:cNvPr id="9" name="Rectangle 8">
+              <a:extLst>
+                <a:ext uri="{FF2B5EF4-FFF2-40B4-BE49-F238E27FC236}">
+                  <a16:creationId xmlns:a16="http://schemas.microsoft.com/office/drawing/2014/main" id="{063C6D67-D8AE-487C-BC38-143EE80A05EF}"/>
+                </a:ext>
+              </a:extLst>
+            </p:cNvPr>
+            <p:cNvSpPr/>
+            <p:nvPr userDrawn="1"/>
+          </p:nvSpPr>
+          <p:spPr>
+            <a:xfrm>
+              <a:off x="5525589" y="438894"/>
+              <a:ext cx="2416628" cy="1307239"/>
+            </a:xfrm>
+            <a:prstGeom prst="rect">
+              <a:avLst/>
+            </a:prstGeom>
+            <a:solidFill>
+              <a:srgbClr val="E0E0E0"/>
+            </a:solidFill>
+            <a:ln>
+              <a:noFill/>
+            </a:ln>
+          </p:spPr>
+          <p:style>
+            <a:lnRef idx="2">
+              <a:schemeClr val="accent1">
+                <a:shade val="50000"/>
+              </a:schemeClr>
+            </a:lnRef>
+            <a:fillRef idx="1">
+              <a:schemeClr val="accent1"/>
+            </a:fillRef>
+            <a:effectRef idx="0">
+              <a:schemeClr val="accent1"/>
+            </a:effectRef>
+            <a:fontRef idx="minor">
+              <a:schemeClr val="lt1"/>
+            </a:fontRef>
+          </p:style>
+          <p:txBody>
+            <a:bodyPr rtlCol="0" anchor="ctr"/>
+            <a:lstStyle/>
+            <a:p>
+              <a:pPr algn="ctr"/>
+              <a:endParaRPr lang="en-CA"/>
+            </a:p>
+          </p:txBody>
+        </p:sp>
+      </p:grpSp>
       <p:sp>
         <p:nvSpPr>
           <p:cNvPr id="2" name="Title 1">
@@ -1227,7 +1335,12 @@
             <p:ph type="title"/>
           </p:nvPr>
         </p:nvSpPr>
-        <p:spPr/>
+        <p:spPr>
+          <a:xfrm>
+            <a:off x="3344090" y="352063"/>
+            <a:ext cx="4506687" cy="1325563"/>
+          </a:xfrm>
+        </p:spPr>
         <p:txBody>
           <a:bodyPr/>
           <a:lstStyle/>
@@ -1256,7 +1369,12 @@
             <p:ph idx="1"/>
           </p:nvPr>
         </p:nvSpPr>
-        <p:spPr/>
+        <p:spPr>
+          <a:xfrm>
+            <a:off x="838200" y="1998617"/>
+            <a:ext cx="10515600" cy="4178346"/>
+          </a:xfrm>
+        </p:spPr>
         <p:txBody>
           <a:bodyPr/>
           <a:lstStyle/>
@@ -1321,7 +1439,7 @@
           <a:p>
             <a:fld id="{CB4ED598-43EB-408A-9236-B45AB4DAC6D0}" type="datetimeFigureOut">
               <a:rPr lang="en-CA" smtClean="0"/>
-              <a:t>2020-01-22</a:t>
+              <a:t>2020-01-26</a:t>
             </a:fld>
             <a:endParaRPr lang="en-CA"/>
           </a:p>
@@ -1597,7 +1715,7 @@
           <a:p>
             <a:fld id="{CB4ED598-43EB-408A-9236-B45AB4DAC6D0}" type="datetimeFigureOut">
               <a:rPr lang="en-CA" smtClean="0"/>
-              <a:t>2020-01-22</a:t>
+              <a:t>2020-01-26</a:t>
             </a:fld>
             <a:endParaRPr lang="en-CA"/>
           </a:p>
@@ -1687,6 +1805,114 @@
           <a:chExt cx="0" cy="0"/>
         </a:xfrm>
       </p:grpSpPr>
+      <p:grpSp>
+        <p:nvGrpSpPr>
+          <p:cNvPr id="8" name="Group 7">
+            <a:extLst>
+              <a:ext uri="{FF2B5EF4-FFF2-40B4-BE49-F238E27FC236}">
+                <a16:creationId xmlns:a16="http://schemas.microsoft.com/office/drawing/2014/main" id="{8ECC65F9-F2B6-463A-B7BB-E3B2005C5238}"/>
+              </a:ext>
+            </a:extLst>
+          </p:cNvPr>
+          <p:cNvGrpSpPr/>
+          <p:nvPr userDrawn="1"/>
+        </p:nvGrpSpPr>
+        <p:grpSpPr>
+          <a:xfrm>
+            <a:off x="0" y="325937"/>
+            <a:ext cx="8406063" cy="1480905"/>
+            <a:chOff x="0" y="352062"/>
+            <a:chExt cx="8406063" cy="1480905"/>
+          </a:xfrm>
+        </p:grpSpPr>
+        <p:pic>
+          <p:nvPicPr>
+            <p:cNvPr id="9" name="Google Shape;66;p2" descr="A close up of a logo&#10;&#10;Description automatically generated">
+              <a:extLst>
+                <a:ext uri="{FF2B5EF4-FFF2-40B4-BE49-F238E27FC236}">
+                  <a16:creationId xmlns:a16="http://schemas.microsoft.com/office/drawing/2014/main" id="{88E4BC61-DEB4-42C2-81E5-1E050131DB4C}"/>
+                </a:ext>
+              </a:extLst>
+            </p:cNvPr>
+            <p:cNvPicPr preferRelativeResize="0"/>
+            <p:nvPr userDrawn="1"/>
+          </p:nvPicPr>
+          <p:blipFill rotWithShape="1">
+            <a:blip r:embed="rId2">
+              <a:alphaModFix/>
+            </a:blip>
+            <a:srcRect/>
+            <a:stretch/>
+          </p:blipFill>
+          <p:spPr>
+            <a:xfrm>
+              <a:off x="0" y="352062"/>
+              <a:ext cx="8406063" cy="1480905"/>
+            </a:xfrm>
+            <a:prstGeom prst="rect">
+              <a:avLst/>
+            </a:prstGeom>
+            <a:solidFill>
+              <a:srgbClr val="FFFFFF"/>
+            </a:solidFill>
+            <a:ln>
+              <a:noFill/>
+            </a:ln>
+          </p:spPr>
+        </p:pic>
+        <p:sp>
+          <p:nvSpPr>
+            <p:cNvPr id="10" name="Rectangle 9">
+              <a:extLst>
+                <a:ext uri="{FF2B5EF4-FFF2-40B4-BE49-F238E27FC236}">
+                  <a16:creationId xmlns:a16="http://schemas.microsoft.com/office/drawing/2014/main" id="{9E83487D-727F-467C-9C75-AE1C7D4453B3}"/>
+                </a:ext>
+              </a:extLst>
+            </p:cNvPr>
+            <p:cNvSpPr/>
+            <p:nvPr userDrawn="1"/>
+          </p:nvSpPr>
+          <p:spPr>
+            <a:xfrm>
+              <a:off x="5525589" y="438894"/>
+              <a:ext cx="2416628" cy="1307239"/>
+            </a:xfrm>
+            <a:prstGeom prst="rect">
+              <a:avLst/>
+            </a:prstGeom>
+            <a:solidFill>
+              <a:srgbClr val="E0E0E0"/>
+            </a:solidFill>
+            <a:ln>
+              <a:noFill/>
+            </a:ln>
+          </p:spPr>
+          <p:style>
+            <a:lnRef idx="2">
+              <a:schemeClr val="accent1">
+                <a:shade val="50000"/>
+              </a:schemeClr>
+            </a:lnRef>
+            <a:fillRef idx="1">
+              <a:schemeClr val="accent1"/>
+            </a:fillRef>
+            <a:effectRef idx="0">
+              <a:schemeClr val="accent1"/>
+            </a:effectRef>
+            <a:fontRef idx="minor">
+              <a:schemeClr val="lt1"/>
+            </a:fontRef>
+          </p:style>
+          <p:txBody>
+            <a:bodyPr rtlCol="0" anchor="ctr"/>
+            <a:lstStyle/>
+            <a:p>
+              <a:pPr algn="ctr"/>
+              <a:endParaRPr lang="en-CA"/>
+            </a:p>
+          </p:txBody>
+        </p:sp>
+      </p:grpSp>
       <p:sp>
         <p:nvSpPr>
           <p:cNvPr id="2" name="Title 1">
@@ -1701,104 +1927,46 @@
           </p:cNvSpPr>
           <p:nvPr>
             <p:ph type="title"/>
-          </p:nvPr>
-        </p:nvSpPr>
-        <p:spPr/>
-        <p:txBody>
-          <a:bodyPr/>
-          <a:lstStyle/>
-          <a:p>
-            <a:r>
-              <a:rPr lang="en-US"/>
-              <a:t>Click to edit Master title style</a:t>
-            </a:r>
-            <a:endParaRPr lang="en-CA"/>
-          </a:p>
-        </p:txBody>
-      </p:sp>
-      <p:sp>
-        <p:nvSpPr>
-          <p:cNvPr id="3" name="Content Placeholder 2">
-            <a:extLst>
-              <a:ext uri="{FF2B5EF4-FFF2-40B4-BE49-F238E27FC236}">
-                <a16:creationId xmlns:a16="http://schemas.microsoft.com/office/drawing/2014/main" id="{5CCDF36F-02CC-4211-B462-76D4B4613AB8}"/>
-              </a:ext>
-            </a:extLst>
-          </p:cNvPr>
-          <p:cNvSpPr>
-            <a:spLocks noGrp="1"/>
-          </p:cNvSpPr>
-          <p:nvPr>
-            <p:ph sz="half" idx="1"/>
           </p:nvPr>
         </p:nvSpPr>
         <p:spPr>
           <a:xfrm>
-            <a:off x="838200" y="1825625"/>
-            <a:ext cx="5181600" cy="4351338"/>
+            <a:off x="3370216" y="352062"/>
+            <a:ext cx="4572001" cy="1325563"/>
           </a:xfrm>
         </p:spPr>
         <p:txBody>
           <a:bodyPr/>
           <a:lstStyle/>
           <a:p>
-            <a:pPr lvl="0"/>
-            <a:r>
-              <a:rPr lang="en-US"/>
-              <a:t>Click to edit Master text styles</a:t>
-            </a:r>
-          </a:p>
-          <a:p>
-            <a:pPr lvl="1"/>
-            <a:r>
-              <a:rPr lang="en-US"/>
-              <a:t>Second level</a:t>
-            </a:r>
-          </a:p>
-          <a:p>
-            <a:pPr lvl="2"/>
-            <a:r>
-              <a:rPr lang="en-US"/>
-              <a:t>Third level</a:t>
-            </a:r>
-          </a:p>
-          <a:p>
-            <a:pPr lvl="3"/>
-            <a:r>
-              <a:rPr lang="en-US"/>
-              <a:t>Fourth level</a:t>
-            </a:r>
-          </a:p>
-          <a:p>
-            <a:pPr lvl="4"/>
-            <a:r>
-              <a:rPr lang="en-US"/>
-              <a:t>Fifth level</a:t>
-            </a:r>
-            <a:endParaRPr lang="en-CA"/>
-          </a:p>
-        </p:txBody>
-      </p:sp>
-      <p:sp>
-        <p:nvSpPr>
-          <p:cNvPr id="4" name="Content Placeholder 3">
-            <a:extLst>
-              <a:ext uri="{FF2B5EF4-FFF2-40B4-BE49-F238E27FC236}">
-                <a16:creationId xmlns:a16="http://schemas.microsoft.com/office/drawing/2014/main" id="{EEBCF0AF-7764-4322-8AC7-91751350C645}"/>
-              </a:ext>
-            </a:extLst>
-          </p:cNvPr>
-          <p:cNvSpPr>
-            <a:spLocks noGrp="1"/>
-          </p:cNvSpPr>
-          <p:nvPr>
-            <p:ph sz="half" idx="2"/>
+            <a:r>
+              <a:rPr lang="en-US"/>
+              <a:t>Click to edit Master title style</a:t>
+            </a:r>
+            <a:endParaRPr lang="en-CA"/>
+          </a:p>
+        </p:txBody>
+      </p:sp>
+      <p:sp>
+        <p:nvSpPr>
+          <p:cNvPr id="3" name="Content Placeholder 2">
+            <a:extLst>
+              <a:ext uri="{FF2B5EF4-FFF2-40B4-BE49-F238E27FC236}">
+                <a16:creationId xmlns:a16="http://schemas.microsoft.com/office/drawing/2014/main" id="{5CCDF36F-02CC-4211-B462-76D4B4613AB8}"/>
+              </a:ext>
+            </a:extLst>
+          </p:cNvPr>
+          <p:cNvSpPr>
+            <a:spLocks noGrp="1"/>
+          </p:cNvSpPr>
+          <p:nvPr>
+            <p:ph sz="half" idx="1"/>
           </p:nvPr>
         </p:nvSpPr>
         <p:spPr>
           <a:xfrm>
-            <a:off x="6172200" y="1825625"/>
-            <a:ext cx="5181600" cy="4351338"/>
+            <a:off x="838200" y="1972491"/>
+            <a:ext cx="5181600" cy="4204472"/>
           </a:xfrm>
         </p:spPr>
         <p:txBody>
@@ -1844,6 +2012,69 @@
       </p:sp>
       <p:sp>
         <p:nvSpPr>
+          <p:cNvPr id="4" name="Content Placeholder 3">
+            <a:extLst>
+              <a:ext uri="{FF2B5EF4-FFF2-40B4-BE49-F238E27FC236}">
+                <a16:creationId xmlns:a16="http://schemas.microsoft.com/office/drawing/2014/main" id="{EEBCF0AF-7764-4322-8AC7-91751350C645}"/>
+              </a:ext>
+            </a:extLst>
+          </p:cNvPr>
+          <p:cNvSpPr>
+            <a:spLocks noGrp="1"/>
+          </p:cNvSpPr>
+          <p:nvPr>
+            <p:ph sz="half" idx="2"/>
+          </p:nvPr>
+        </p:nvSpPr>
+        <p:spPr>
+          <a:xfrm>
+            <a:off x="6172200" y="1972491"/>
+            <a:ext cx="5181600" cy="4204472"/>
+          </a:xfrm>
+        </p:spPr>
+        <p:txBody>
+          <a:bodyPr/>
+          <a:lstStyle/>
+          <a:p>
+            <a:pPr lvl="0"/>
+            <a:r>
+              <a:rPr lang="en-US"/>
+              <a:t>Click to edit Master text styles</a:t>
+            </a:r>
+          </a:p>
+          <a:p>
+            <a:pPr lvl="1"/>
+            <a:r>
+              <a:rPr lang="en-US"/>
+              <a:t>Second level</a:t>
+            </a:r>
+          </a:p>
+          <a:p>
+            <a:pPr lvl="2"/>
+            <a:r>
+              <a:rPr lang="en-US"/>
+              <a:t>Third level</a:t>
+            </a:r>
+          </a:p>
+          <a:p>
+            <a:pPr lvl="3"/>
+            <a:r>
+              <a:rPr lang="en-US"/>
+              <a:t>Fourth level</a:t>
+            </a:r>
+          </a:p>
+          <a:p>
+            <a:pPr lvl="4"/>
+            <a:r>
+              <a:rPr lang="en-US"/>
+              <a:t>Fifth level</a:t>
+            </a:r>
+            <a:endParaRPr lang="en-CA"/>
+          </a:p>
+        </p:txBody>
+      </p:sp>
+      <p:sp>
+        <p:nvSpPr>
           <p:cNvPr id="5" name="Date Placeholder 4">
             <a:extLst>
               <a:ext uri="{FF2B5EF4-FFF2-40B4-BE49-F238E27FC236}">
@@ -1865,7 +2096,7 @@
           <a:p>
             <a:fld id="{CB4ED598-43EB-408A-9236-B45AB4DAC6D0}" type="datetimeFigureOut">
               <a:rPr lang="en-CA" smtClean="0"/>
-              <a:t>2020-01-22</a:t>
+              <a:t>2020-01-26</a:t>
             </a:fld>
             <a:endParaRPr lang="en-CA"/>
           </a:p>
@@ -2280,7 +2511,7 @@
           <a:p>
             <a:fld id="{CB4ED598-43EB-408A-9236-B45AB4DAC6D0}" type="datetimeFigureOut">
               <a:rPr lang="en-CA" smtClean="0"/>
-              <a:t>2020-01-22</a:t>
+              <a:t>2020-01-26</a:t>
             </a:fld>
             <a:endParaRPr lang="en-CA"/>
           </a:p>
@@ -2422,7 +2653,7 @@
           <a:p>
             <a:fld id="{CB4ED598-43EB-408A-9236-B45AB4DAC6D0}" type="datetimeFigureOut">
               <a:rPr lang="en-CA" smtClean="0"/>
-              <a:t>2020-01-22</a:t>
+              <a:t>2020-01-26</a:t>
             </a:fld>
             <a:endParaRPr lang="en-CA"/>
           </a:p>
@@ -2535,7 +2766,7 @@
           <a:p>
             <a:fld id="{CB4ED598-43EB-408A-9236-B45AB4DAC6D0}" type="datetimeFigureOut">
               <a:rPr lang="en-CA" smtClean="0"/>
-              <a:t>2020-01-22</a:t>
+              <a:t>2020-01-26</a:t>
             </a:fld>
             <a:endParaRPr lang="en-CA"/>
           </a:p>
@@ -2848,7 +3079,7 @@
           <a:p>
             <a:fld id="{CB4ED598-43EB-408A-9236-B45AB4DAC6D0}" type="datetimeFigureOut">
               <a:rPr lang="en-CA" smtClean="0"/>
-              <a:t>2020-01-22</a:t>
+              <a:t>2020-01-26</a:t>
             </a:fld>
             <a:endParaRPr lang="en-CA"/>
           </a:p>
@@ -3137,7 +3368,7 @@
           <a:p>
             <a:fld id="{CB4ED598-43EB-408A-9236-B45AB4DAC6D0}" type="datetimeFigureOut">
               <a:rPr lang="en-CA" smtClean="0"/>
-              <a:t>2020-01-22</a:t>
+              <a:t>2020-01-26</a:t>
             </a:fld>
             <a:endParaRPr lang="en-CA"/>
           </a:p>
@@ -3380,7 +3611,7 @@
           <a:p>
             <a:fld id="{CB4ED598-43EB-408A-9236-B45AB4DAC6D0}" type="datetimeFigureOut">
               <a:rPr lang="en-CA" smtClean="0"/>
-              <a:t>2020-01-22</a:t>
+              <a:t>2020-01-26</a:t>
             </a:fld>
             <a:endParaRPr lang="en-CA"/>
           </a:p>
@@ -3834,7 +4065,11 @@
             </a:br>
             <a:r>
               <a:rPr lang="en-US" dirty="0"/>
-              <a:t>Using Arduino: Intro to Arduino </a:t>
+              <a:t>Using Arduino: Intro </a:t>
+            </a:r>
+            <a:r>
+              <a:rPr lang="en-US"/>
+              <a:t>to Arduino. </a:t>
             </a:r>
             <a:br>
               <a:rPr lang="en-US" dirty="0"/>
@@ -4505,10 +4740,10 @@
       </p:grpSpPr>
       <p:sp>
         <p:nvSpPr>
-          <p:cNvPr id="2" name="Title 1">
-            <a:extLst>
-              <a:ext uri="{FF2B5EF4-FFF2-40B4-BE49-F238E27FC236}">
-                <a16:creationId xmlns:a16="http://schemas.microsoft.com/office/drawing/2014/main" id="{0713A968-0C89-4C0F-9F5A-0445B7EE5DCA}"/>
+          <p:cNvPr id="3" name="Title 2">
+            <a:extLst>
+              <a:ext uri="{FF2B5EF4-FFF2-40B4-BE49-F238E27FC236}">
+                <a16:creationId xmlns:a16="http://schemas.microsoft.com/office/drawing/2014/main" id="{4AB87372-73FC-4213-A697-474B8766E68C}"/>
               </a:ext>
             </a:extLst>
           </p:cNvPr>
@@ -4524,7 +4759,7 @@
           <a:bodyPr/>
           <a:lstStyle/>
           <a:p>
-            <a:endParaRPr lang="en-CA" dirty="0"/>
+            <a:endParaRPr lang="en-CA"/>
           </a:p>
         </p:txBody>
       </p:sp>
@@ -4541,7 +4776,7 @@
             <a:picLocks noGrp="1" noChangeAspect="1"/>
           </p:cNvPicPr>
           <p:nvPr>
-            <p:ph idx="1"/>
+            <p:ph idx="4294967295"/>
           </p:nvPr>
         </p:nvPicPr>
         <p:blipFill>
@@ -4552,8 +4787,8 @@
         </p:blipFill>
         <p:spPr>
           <a:xfrm>
-            <a:off x="217790" y="755515"/>
-            <a:ext cx="11756420" cy="5346969"/>
+            <a:off x="0" y="625475"/>
+            <a:ext cx="12328525" cy="5607050"/>
           </a:xfrm>
           <a:prstGeom prst="rect">
             <a:avLst/>
@@ -4608,20 +4843,15 @@
         </p:nvSpPr>
         <p:spPr/>
         <p:txBody>
-          <a:bodyPr/>
+          <a:bodyPr>
+            <a:normAutofit/>
+          </a:bodyPr>
           <a:lstStyle/>
           <a:p>
             <a:r>
               <a:rPr lang="en-CA" dirty="0"/>
               <a:t>Programming an Arduino </a:t>
             </a:r>
-            <a:br>
-              <a:rPr lang="en-CA" dirty="0"/>
-            </a:br>
-            <a:r>
-              <a:rPr lang="en-CA" dirty="0"/>
-              <a:t>using the Arduino IDE</a:t>
-            </a:r>
           </a:p>
         </p:txBody>
       </p:sp>
@@ -4655,7 +4885,15 @@
             <a:pPr lvl="1"/>
             <a:r>
               <a:rPr lang="en-CA" dirty="0"/>
-              <a:t>what is it?</a:t>
+              <a:t>what is an </a:t>
+            </a:r>
+            <a:r>
+              <a:rPr lang="en-CA" dirty="0" err="1"/>
+              <a:t>arduino</a:t>
+            </a:r>
+            <a:r>
+              <a:rPr lang="en-CA" dirty="0"/>
+              <a:t>?</a:t>
             </a:r>
           </a:p>
           <a:p>
@@ -4781,8 +5019,8 @@
         </p:blipFill>
         <p:spPr>
           <a:xfrm>
-            <a:off x="838200" y="2611813"/>
-            <a:ext cx="9734550" cy="4075531"/>
+            <a:off x="1343025" y="2878176"/>
+            <a:ext cx="9505950" cy="3979824"/>
           </a:xfrm>
           <a:prstGeom prst="rect">
             <a:avLst/>
@@ -5273,7 +5511,7 @@
         <p:spPr/>
         <p:txBody>
           <a:bodyPr>
-            <a:normAutofit lnSpcReduction="10000"/>
+            <a:normAutofit fontScale="92500" lnSpcReduction="10000"/>
           </a:bodyPr>
           <a:lstStyle/>
           <a:p>
